--- a/DS_Mon_Wed_2019/DS-Day-01 R.pptx
+++ b/DS_Mon_Wed_2019/DS-Day-01 R.pptx
@@ -206,7 +206,7 @@
           <a:p>
             <a:fld id="{22783AA6-C1EF-448D-A48A-EF30DCBEFCCC}" type="datetimeFigureOut">
               <a:rPr lang="en-US" smtClean="0"/>
-              <a:t>9/19/2018</a:t>
+              <a:t>9/18/19</a:t>
             </a:fld>
             <a:endParaRPr lang="en-US"/>
           </a:p>
@@ -270,35 +270,35 @@
           <a:p>
             <a:pPr lvl="0"/>
             <a:r>
-              <a:rPr lang="ru-RU" smtClean="0"/>
+              <a:rPr lang="ru-RU"/>
               <a:t>Образец текста</a:t>
             </a:r>
           </a:p>
           <a:p>
             <a:pPr lvl="1"/>
             <a:r>
-              <a:rPr lang="ru-RU" smtClean="0"/>
+              <a:rPr lang="ru-RU"/>
               <a:t>Второй уровень</a:t>
             </a:r>
           </a:p>
           <a:p>
             <a:pPr lvl="2"/>
             <a:r>
-              <a:rPr lang="ru-RU" smtClean="0"/>
+              <a:rPr lang="ru-RU"/>
               <a:t>Третий уровень</a:t>
             </a:r>
           </a:p>
           <a:p>
             <a:pPr lvl="3"/>
             <a:r>
-              <a:rPr lang="ru-RU" smtClean="0"/>
+              <a:rPr lang="ru-RU"/>
               <a:t>Четвертый уровень</a:t>
             </a:r>
           </a:p>
           <a:p>
             <a:pPr lvl="4"/>
             <a:r>
-              <a:rPr lang="ru-RU" smtClean="0"/>
+              <a:rPr lang="ru-RU"/>
               <a:t>Пятый уровень</a:t>
             </a:r>
             <a:endParaRPr lang="en-US"/>
@@ -628,13 +628,13 @@
           <a:lstStyle/>
           <a:p>
             <a:r>
-              <a:rPr lang="ru-RU" sz="1400" dirty="0" smtClean="0">
+              <a:rPr lang="ru-RU" sz="1400" dirty="0">
                 <a:latin typeface="+mn-lt"/>
               </a:rPr>
               <a:t>Какие-то</a:t>
             </a:r>
             <a:r>
-              <a:rPr lang="ru-RU" sz="1400" baseline="0" dirty="0" smtClean="0">
+              <a:rPr lang="ru-RU" sz="1400" baseline="0" dirty="0">
                 <a:latin typeface="+mn-lt"/>
               </a:rPr>
               <a:t> простые команды</a:t>
@@ -844,13 +844,13 @@
           <a:lstStyle/>
           <a:p>
             <a:r>
-              <a:rPr lang="ru-RU" sz="1400" dirty="0" smtClean="0">
+              <a:rPr lang="ru-RU" sz="1400" dirty="0">
                 <a:latin typeface="+mn-lt"/>
               </a:rPr>
               <a:t>Про</a:t>
             </a:r>
             <a:r>
-              <a:rPr lang="ru-RU" sz="1400" baseline="0" dirty="0" smtClean="0">
+              <a:rPr lang="ru-RU" sz="1400" baseline="0" dirty="0">
                 <a:latin typeface="+mn-lt"/>
               </a:rPr>
               <a:t> циклы, история, почему сейчас модно, применение и перспективы </a:t>
@@ -958,20 +958,17 @@
           <a:lstStyle/>
           <a:p>
             <a:r>
-              <a:rPr lang="en-US" sz="1400" dirty="0" smtClean="0">
+              <a:rPr lang="en-US" sz="1400" dirty="0">
                 <a:latin typeface="+mn-lt"/>
               </a:rPr>
               <a:t>1993 </a:t>
             </a:r>
             <a:r>
-              <a:rPr lang="ru-RU" sz="1400" dirty="0" smtClean="0">
+              <a:rPr lang="ru-RU" sz="1400" dirty="0">
                 <a:latin typeface="+mn-lt"/>
               </a:rPr>
               <a:t>год</a:t>
             </a:r>
-            <a:endParaRPr lang="ru-RU" sz="1400" dirty="0">
-              <a:latin typeface="+mn-lt"/>
-            </a:endParaRPr>
           </a:p>
         </p:txBody>
       </p:sp>
@@ -1072,20 +1069,17 @@
           <a:lstStyle/>
           <a:p>
             <a:r>
-              <a:rPr lang="en-US" sz="1400" dirty="0" smtClean="0">
+              <a:rPr lang="en-US" sz="1400" dirty="0">
                 <a:latin typeface="+mn-lt"/>
               </a:rPr>
               <a:t>1993 </a:t>
             </a:r>
             <a:r>
-              <a:rPr lang="ru-RU" sz="1400" dirty="0" smtClean="0">
+              <a:rPr lang="ru-RU" sz="1400" dirty="0">
                 <a:latin typeface="+mn-lt"/>
               </a:rPr>
               <a:t>год</a:t>
             </a:r>
-            <a:endParaRPr lang="ru-RU" sz="1400" dirty="0">
-              <a:latin typeface="+mn-lt"/>
-            </a:endParaRPr>
           </a:p>
         </p:txBody>
       </p:sp>
@@ -1186,13 +1180,13 @@
           <a:lstStyle/>
           <a:p>
             <a:r>
-              <a:rPr lang="ru-RU" sz="1400" dirty="0" smtClean="0">
+              <a:rPr lang="ru-RU" sz="1400" dirty="0">
                 <a:latin typeface="+mn-lt"/>
               </a:rPr>
               <a:t>Какие-то</a:t>
             </a:r>
             <a:r>
-              <a:rPr lang="ru-RU" sz="1400" baseline="0" dirty="0" smtClean="0">
+              <a:rPr lang="ru-RU" sz="1400" baseline="0" dirty="0">
                 <a:latin typeface="+mn-lt"/>
               </a:rPr>
               <a:t> простые команды</a:t>
@@ -1300,13 +1294,13 @@
           <a:lstStyle/>
           <a:p>
             <a:r>
-              <a:rPr lang="ru-RU" sz="1400" dirty="0" smtClean="0">
+              <a:rPr lang="ru-RU" sz="1400" dirty="0">
                 <a:latin typeface="+mn-lt"/>
               </a:rPr>
               <a:t>Какие-то</a:t>
             </a:r>
             <a:r>
-              <a:rPr lang="ru-RU" sz="1400" baseline="0" dirty="0" smtClean="0">
+              <a:rPr lang="ru-RU" sz="1400" baseline="0" dirty="0">
                 <a:latin typeface="+mn-lt"/>
               </a:rPr>
               <a:t> простые команды</a:t>
@@ -1414,13 +1408,13 @@
           <a:lstStyle/>
           <a:p>
             <a:r>
-              <a:rPr lang="ru-RU" sz="1400" dirty="0" smtClean="0">
+              <a:rPr lang="ru-RU" sz="1400" dirty="0">
                 <a:latin typeface="+mn-lt"/>
               </a:rPr>
               <a:t>Какие-то</a:t>
             </a:r>
             <a:r>
-              <a:rPr lang="ru-RU" sz="1400" baseline="0" dirty="0" smtClean="0">
+              <a:rPr lang="ru-RU" sz="1400" baseline="0" dirty="0">
                 <a:latin typeface="+mn-lt"/>
               </a:rPr>
               <a:t> простые команды</a:t>
@@ -1528,13 +1522,13 @@
           <a:lstStyle/>
           <a:p>
             <a:r>
-              <a:rPr lang="ru-RU" sz="1400" dirty="0" smtClean="0">
+              <a:rPr lang="ru-RU" sz="1400" dirty="0">
                 <a:latin typeface="+mn-lt"/>
               </a:rPr>
               <a:t>Какие-то</a:t>
             </a:r>
             <a:r>
-              <a:rPr lang="ru-RU" sz="1400" baseline="0" dirty="0" smtClean="0">
+              <a:rPr lang="ru-RU" sz="1400" baseline="0" dirty="0">
                 <a:latin typeface="+mn-lt"/>
               </a:rPr>
               <a:t> простые команды</a:t>
@@ -1634,7 +1628,7 @@
           </a:lstStyle>
           <a:p>
             <a:r>
-              <a:rPr lang="ru-RU" smtClean="0"/>
+              <a:rPr lang="ru-RU"/>
               <a:t>Образец заголовка</a:t>
             </a:r>
             <a:endParaRPr lang="en-US" dirty="0"/>
@@ -1708,7 +1702,7 @@
           </a:lstStyle>
           <a:p>
             <a:r>
-              <a:rPr lang="ru-RU" smtClean="0"/>
+              <a:rPr lang="ru-RU"/>
               <a:t>Образец подзаголовка</a:t>
             </a:r>
             <a:endParaRPr lang="en-US" dirty="0"/>
@@ -1732,7 +1726,7 @@
           <a:p>
             <a:fld id="{C14F4D0B-68E4-4C14-BD4D-319F9BD213A3}" type="datetimeFigureOut">
               <a:rPr lang="ru-RU" smtClean="0"/>
-              <a:t>19.09.2018</a:t>
+              <a:t>18.09.2019</a:t>
             </a:fld>
             <a:endParaRPr lang="ru-RU"/>
           </a:p>
@@ -1826,7 +1820,7 @@
           <a:lstStyle/>
           <a:p>
             <a:r>
-              <a:rPr lang="ru-RU" smtClean="0"/>
+              <a:rPr lang="ru-RU"/>
               <a:t>Образец заголовка</a:t>
             </a:r>
             <a:endParaRPr lang="en-US"/>
@@ -1850,35 +1844,35 @@
           <a:p>
             <a:pPr lvl="0"/>
             <a:r>
-              <a:rPr lang="ru-RU" smtClean="0"/>
+              <a:rPr lang="ru-RU"/>
               <a:t>Образец текста</a:t>
             </a:r>
           </a:p>
           <a:p>
             <a:pPr lvl="1"/>
             <a:r>
-              <a:rPr lang="ru-RU" smtClean="0"/>
+              <a:rPr lang="ru-RU"/>
               <a:t>Второй уровень</a:t>
             </a:r>
           </a:p>
           <a:p>
             <a:pPr lvl="2"/>
             <a:r>
-              <a:rPr lang="ru-RU" smtClean="0"/>
+              <a:rPr lang="ru-RU"/>
               <a:t>Третий уровень</a:t>
             </a:r>
           </a:p>
           <a:p>
             <a:pPr lvl="3"/>
             <a:r>
-              <a:rPr lang="ru-RU" smtClean="0"/>
+              <a:rPr lang="ru-RU"/>
               <a:t>Четвертый уровень</a:t>
             </a:r>
           </a:p>
           <a:p>
             <a:pPr lvl="4"/>
             <a:r>
-              <a:rPr lang="ru-RU" smtClean="0"/>
+              <a:rPr lang="ru-RU"/>
               <a:t>Пятый уровень</a:t>
             </a:r>
             <a:endParaRPr lang="en-US" dirty="0"/>
@@ -1902,7 +1896,7 @@
           <a:p>
             <a:fld id="{C14F4D0B-68E4-4C14-BD4D-319F9BD213A3}" type="datetimeFigureOut">
               <a:rPr lang="ru-RU" smtClean="0"/>
-              <a:t>19.09.2018</a:t>
+              <a:t>18.09.2019</a:t>
             </a:fld>
             <a:endParaRPr lang="ru-RU"/>
           </a:p>
@@ -2001,7 +1995,7 @@
           <a:lstStyle/>
           <a:p>
             <a:r>
-              <a:rPr lang="ru-RU" smtClean="0"/>
+              <a:rPr lang="ru-RU"/>
               <a:t>Образец заголовка</a:t>
             </a:r>
             <a:endParaRPr lang="en-US"/>
@@ -2030,35 +2024,35 @@
           <a:p>
             <a:pPr lvl="0"/>
             <a:r>
-              <a:rPr lang="ru-RU" smtClean="0"/>
+              <a:rPr lang="ru-RU"/>
               <a:t>Образец текста</a:t>
             </a:r>
           </a:p>
           <a:p>
             <a:pPr lvl="1"/>
             <a:r>
-              <a:rPr lang="ru-RU" smtClean="0"/>
+              <a:rPr lang="ru-RU"/>
               <a:t>Второй уровень</a:t>
             </a:r>
           </a:p>
           <a:p>
             <a:pPr lvl="2"/>
             <a:r>
-              <a:rPr lang="ru-RU" smtClean="0"/>
+              <a:rPr lang="ru-RU"/>
               <a:t>Третий уровень</a:t>
             </a:r>
           </a:p>
           <a:p>
             <a:pPr lvl="3"/>
             <a:r>
-              <a:rPr lang="ru-RU" smtClean="0"/>
+              <a:rPr lang="ru-RU"/>
               <a:t>Четвертый уровень</a:t>
             </a:r>
           </a:p>
           <a:p>
             <a:pPr lvl="4"/>
             <a:r>
-              <a:rPr lang="ru-RU" smtClean="0"/>
+              <a:rPr lang="ru-RU"/>
               <a:t>Пятый уровень</a:t>
             </a:r>
             <a:endParaRPr lang="en-US"/>
@@ -2082,7 +2076,7 @@
           <a:p>
             <a:fld id="{C14F4D0B-68E4-4C14-BD4D-319F9BD213A3}" type="datetimeFigureOut">
               <a:rPr lang="ru-RU" smtClean="0"/>
-              <a:t>19.09.2018</a:t>
+              <a:t>18.09.2019</a:t>
             </a:fld>
             <a:endParaRPr lang="ru-RU"/>
           </a:p>
@@ -2176,7 +2170,7 @@
           <a:lstStyle/>
           <a:p>
             <a:r>
-              <a:rPr lang="ru-RU" smtClean="0"/>
+              <a:rPr lang="ru-RU"/>
               <a:t>Образец заголовка</a:t>
             </a:r>
             <a:endParaRPr lang="en-US" dirty="0"/>
@@ -2200,35 +2194,35 @@
           <a:p>
             <a:pPr lvl="0"/>
             <a:r>
-              <a:rPr lang="ru-RU" smtClean="0"/>
+              <a:rPr lang="ru-RU"/>
               <a:t>Образец текста</a:t>
             </a:r>
           </a:p>
           <a:p>
             <a:pPr lvl="1"/>
             <a:r>
-              <a:rPr lang="ru-RU" smtClean="0"/>
+              <a:rPr lang="ru-RU"/>
               <a:t>Второй уровень</a:t>
             </a:r>
           </a:p>
           <a:p>
             <a:pPr lvl="2"/>
             <a:r>
-              <a:rPr lang="ru-RU" smtClean="0"/>
+              <a:rPr lang="ru-RU"/>
               <a:t>Третий уровень</a:t>
             </a:r>
           </a:p>
           <a:p>
             <a:pPr lvl="3"/>
             <a:r>
-              <a:rPr lang="ru-RU" smtClean="0"/>
+              <a:rPr lang="ru-RU"/>
               <a:t>Четвертый уровень</a:t>
             </a:r>
           </a:p>
           <a:p>
             <a:pPr lvl="4"/>
             <a:r>
-              <a:rPr lang="ru-RU" smtClean="0"/>
+              <a:rPr lang="ru-RU"/>
               <a:t>Пятый уровень</a:t>
             </a:r>
             <a:endParaRPr lang="en-US" dirty="0"/>
@@ -2252,7 +2246,7 @@
           <a:p>
             <a:fld id="{C14F4D0B-68E4-4C14-BD4D-319F9BD213A3}" type="datetimeFigureOut">
               <a:rPr lang="ru-RU" smtClean="0"/>
-              <a:t>19.09.2018</a:t>
+              <a:t>18.09.2019</a:t>
             </a:fld>
             <a:endParaRPr lang="ru-RU"/>
           </a:p>
@@ -2357,7 +2351,7 @@
           </a:lstStyle>
           <a:p>
             <a:r>
-              <a:rPr lang="ru-RU" smtClean="0"/>
+              <a:rPr lang="ru-RU"/>
               <a:t>Образец заголовка</a:t>
             </a:r>
             <a:endParaRPr lang="en-US" dirty="0"/>
@@ -2480,7 +2474,7 @@
           <a:p>
             <a:pPr lvl="0"/>
             <a:r>
-              <a:rPr lang="ru-RU" smtClean="0"/>
+              <a:rPr lang="ru-RU"/>
               <a:t>Образец текста</a:t>
             </a:r>
           </a:p>
@@ -2503,7 +2497,7 @@
           <a:p>
             <a:fld id="{C14F4D0B-68E4-4C14-BD4D-319F9BD213A3}" type="datetimeFigureOut">
               <a:rPr lang="ru-RU" smtClean="0"/>
-              <a:t>19.09.2018</a:t>
+              <a:t>18.09.2019</a:t>
             </a:fld>
             <a:endParaRPr lang="ru-RU"/>
           </a:p>
@@ -2597,7 +2591,7 @@
           <a:lstStyle/>
           <a:p>
             <a:r>
-              <a:rPr lang="ru-RU" smtClean="0"/>
+              <a:rPr lang="ru-RU"/>
               <a:t>Образец заголовка</a:t>
             </a:r>
             <a:endParaRPr lang="en-US" dirty="0"/>
@@ -2626,35 +2620,35 @@
           <a:p>
             <a:pPr lvl="0"/>
             <a:r>
-              <a:rPr lang="ru-RU" smtClean="0"/>
+              <a:rPr lang="ru-RU"/>
               <a:t>Образец текста</a:t>
             </a:r>
           </a:p>
           <a:p>
             <a:pPr lvl="1"/>
             <a:r>
-              <a:rPr lang="ru-RU" smtClean="0"/>
+              <a:rPr lang="ru-RU"/>
               <a:t>Второй уровень</a:t>
             </a:r>
           </a:p>
           <a:p>
             <a:pPr lvl="2"/>
             <a:r>
-              <a:rPr lang="ru-RU" smtClean="0"/>
+              <a:rPr lang="ru-RU"/>
               <a:t>Третий уровень</a:t>
             </a:r>
           </a:p>
           <a:p>
             <a:pPr lvl="3"/>
             <a:r>
-              <a:rPr lang="ru-RU" smtClean="0"/>
+              <a:rPr lang="ru-RU"/>
               <a:t>Четвертый уровень</a:t>
             </a:r>
           </a:p>
           <a:p>
             <a:pPr lvl="4"/>
             <a:r>
-              <a:rPr lang="ru-RU" smtClean="0"/>
+              <a:rPr lang="ru-RU"/>
               <a:t>Пятый уровень</a:t>
             </a:r>
             <a:endParaRPr lang="en-US" dirty="0"/>
@@ -2683,35 +2677,35 @@
           <a:p>
             <a:pPr lvl="0"/>
             <a:r>
-              <a:rPr lang="ru-RU" smtClean="0"/>
+              <a:rPr lang="ru-RU"/>
               <a:t>Образец текста</a:t>
             </a:r>
           </a:p>
           <a:p>
             <a:pPr lvl="1"/>
             <a:r>
-              <a:rPr lang="ru-RU" smtClean="0"/>
+              <a:rPr lang="ru-RU"/>
               <a:t>Второй уровень</a:t>
             </a:r>
           </a:p>
           <a:p>
             <a:pPr lvl="2"/>
             <a:r>
-              <a:rPr lang="ru-RU" smtClean="0"/>
+              <a:rPr lang="ru-RU"/>
               <a:t>Третий уровень</a:t>
             </a:r>
           </a:p>
           <a:p>
             <a:pPr lvl="3"/>
             <a:r>
-              <a:rPr lang="ru-RU" smtClean="0"/>
+              <a:rPr lang="ru-RU"/>
               <a:t>Четвертый уровень</a:t>
             </a:r>
           </a:p>
           <a:p>
             <a:pPr lvl="4"/>
             <a:r>
-              <a:rPr lang="ru-RU" smtClean="0"/>
+              <a:rPr lang="ru-RU"/>
               <a:t>Пятый уровень</a:t>
             </a:r>
             <a:endParaRPr lang="en-US" dirty="0"/>
@@ -2735,7 +2729,7 @@
           <a:p>
             <a:fld id="{C14F4D0B-68E4-4C14-BD4D-319F9BD213A3}" type="datetimeFigureOut">
               <a:rPr lang="ru-RU" smtClean="0"/>
-              <a:t>19.09.2018</a:t>
+              <a:t>18.09.2019</a:t>
             </a:fld>
             <a:endParaRPr lang="ru-RU"/>
           </a:p>
@@ -2877,7 +2871,7 @@
           <a:p>
             <a:pPr lvl="0"/>
             <a:r>
-              <a:rPr lang="ru-RU" smtClean="0"/>
+              <a:rPr lang="ru-RU"/>
               <a:t>Образец текста</a:t>
             </a:r>
           </a:p>
@@ -2905,35 +2899,35 @@
           <a:p>
             <a:pPr lvl="0"/>
             <a:r>
-              <a:rPr lang="ru-RU" smtClean="0"/>
+              <a:rPr lang="ru-RU"/>
               <a:t>Образец текста</a:t>
             </a:r>
           </a:p>
           <a:p>
             <a:pPr lvl="1"/>
             <a:r>
-              <a:rPr lang="ru-RU" smtClean="0"/>
+              <a:rPr lang="ru-RU"/>
               <a:t>Второй уровень</a:t>
             </a:r>
           </a:p>
           <a:p>
             <a:pPr lvl="2"/>
             <a:r>
-              <a:rPr lang="ru-RU" smtClean="0"/>
+              <a:rPr lang="ru-RU"/>
               <a:t>Третий уровень</a:t>
             </a:r>
           </a:p>
           <a:p>
             <a:pPr lvl="3"/>
             <a:r>
-              <a:rPr lang="ru-RU" smtClean="0"/>
+              <a:rPr lang="ru-RU"/>
               <a:t>Четвертый уровень</a:t>
             </a:r>
           </a:p>
           <a:p>
             <a:pPr lvl="4"/>
             <a:r>
-              <a:rPr lang="ru-RU" smtClean="0"/>
+              <a:rPr lang="ru-RU"/>
               <a:t>Пятый уровень</a:t>
             </a:r>
             <a:endParaRPr lang="en-US" dirty="0"/>
@@ -3002,7 +2996,7 @@
           <a:p>
             <a:pPr lvl="0"/>
             <a:r>
-              <a:rPr lang="ru-RU" smtClean="0"/>
+              <a:rPr lang="ru-RU"/>
               <a:t>Образец текста</a:t>
             </a:r>
           </a:p>
@@ -3030,35 +3024,35 @@
           <a:p>
             <a:pPr lvl="0"/>
             <a:r>
-              <a:rPr lang="ru-RU" smtClean="0"/>
+              <a:rPr lang="ru-RU"/>
               <a:t>Образец текста</a:t>
             </a:r>
           </a:p>
           <a:p>
             <a:pPr lvl="1"/>
             <a:r>
-              <a:rPr lang="ru-RU" smtClean="0"/>
+              <a:rPr lang="ru-RU"/>
               <a:t>Второй уровень</a:t>
             </a:r>
           </a:p>
           <a:p>
             <a:pPr lvl="2"/>
             <a:r>
-              <a:rPr lang="ru-RU" smtClean="0"/>
+              <a:rPr lang="ru-RU"/>
               <a:t>Третий уровень</a:t>
             </a:r>
           </a:p>
           <a:p>
             <a:pPr lvl="3"/>
             <a:r>
-              <a:rPr lang="ru-RU" smtClean="0"/>
+              <a:rPr lang="ru-RU"/>
               <a:t>Четвертый уровень</a:t>
             </a:r>
           </a:p>
           <a:p>
             <a:pPr lvl="4"/>
             <a:r>
-              <a:rPr lang="ru-RU" smtClean="0"/>
+              <a:rPr lang="ru-RU"/>
               <a:t>Пятый уровень</a:t>
             </a:r>
             <a:endParaRPr lang="en-US"/>
@@ -3082,7 +3076,7 @@
           <a:p>
             <a:fld id="{C14F4D0B-68E4-4C14-BD4D-319F9BD213A3}" type="datetimeFigureOut">
               <a:rPr lang="ru-RU" smtClean="0"/>
-              <a:t>19.09.2018</a:t>
+              <a:t>18.09.2019</a:t>
             </a:fld>
             <a:endParaRPr lang="ru-RU"/>
           </a:p>
@@ -3146,7 +3140,7 @@
           <a:lstStyle/>
           <a:p>
             <a:r>
-              <a:rPr lang="ru-RU" smtClean="0"/>
+              <a:rPr lang="ru-RU"/>
               <a:t>Образец заголовка</a:t>
             </a:r>
             <a:endParaRPr lang="en-US" dirty="0"/>
@@ -3200,7 +3194,7 @@
           <a:p>
             <a:fld id="{C14F4D0B-68E4-4C14-BD4D-319F9BD213A3}" type="datetimeFigureOut">
               <a:rPr lang="ru-RU" smtClean="0"/>
-              <a:t>19.09.2018</a:t>
+              <a:t>18.09.2019</a:t>
             </a:fld>
             <a:endParaRPr lang="ru-RU"/>
           </a:p>
@@ -3264,7 +3258,7 @@
           <a:lstStyle/>
           <a:p>
             <a:r>
-              <a:rPr lang="ru-RU" smtClean="0"/>
+              <a:rPr lang="ru-RU"/>
               <a:t>Образец заголовка</a:t>
             </a:r>
             <a:endParaRPr lang="en-US"/>
@@ -3318,7 +3312,7 @@
           <a:p>
             <a:fld id="{C14F4D0B-68E4-4C14-BD4D-319F9BD213A3}" type="datetimeFigureOut">
               <a:rPr lang="ru-RU" smtClean="0"/>
-              <a:t>19.09.2018</a:t>
+              <a:t>18.09.2019</a:t>
             </a:fld>
             <a:endParaRPr lang="ru-RU"/>
           </a:p>
@@ -3423,7 +3417,7 @@
           </a:lstStyle>
           <a:p>
             <a:r>
-              <a:rPr lang="ru-RU" smtClean="0"/>
+              <a:rPr lang="ru-RU"/>
               <a:t>Образец заголовка</a:t>
             </a:r>
             <a:endParaRPr lang="en-US" dirty="0"/>
@@ -3480,35 +3474,35 @@
           <a:p>
             <a:pPr lvl="0"/>
             <a:r>
-              <a:rPr lang="ru-RU" smtClean="0"/>
+              <a:rPr lang="ru-RU"/>
               <a:t>Образец текста</a:t>
             </a:r>
           </a:p>
           <a:p>
             <a:pPr lvl="1"/>
             <a:r>
-              <a:rPr lang="ru-RU" smtClean="0"/>
+              <a:rPr lang="ru-RU"/>
               <a:t>Второй уровень</a:t>
             </a:r>
           </a:p>
           <a:p>
             <a:pPr lvl="2"/>
             <a:r>
-              <a:rPr lang="ru-RU" smtClean="0"/>
+              <a:rPr lang="ru-RU"/>
               <a:t>Третий уровень</a:t>
             </a:r>
           </a:p>
           <a:p>
             <a:pPr lvl="3"/>
             <a:r>
-              <a:rPr lang="ru-RU" smtClean="0"/>
+              <a:rPr lang="ru-RU"/>
               <a:t>Четвертый уровень</a:t>
             </a:r>
           </a:p>
           <a:p>
             <a:pPr lvl="4"/>
             <a:r>
-              <a:rPr lang="ru-RU" smtClean="0"/>
+              <a:rPr lang="ru-RU"/>
               <a:t>Пятый уровень</a:t>
             </a:r>
             <a:endParaRPr lang="en-US" dirty="0"/>
@@ -3579,7 +3573,7 @@
           <a:p>
             <a:pPr lvl="0"/>
             <a:r>
-              <a:rPr lang="ru-RU" smtClean="0"/>
+              <a:rPr lang="ru-RU"/>
               <a:t>Образец текста</a:t>
             </a:r>
           </a:p>
@@ -3602,7 +3596,7 @@
           <a:p>
             <a:fld id="{C14F4D0B-68E4-4C14-BD4D-319F9BD213A3}" type="datetimeFigureOut">
               <a:rPr lang="ru-RU" smtClean="0"/>
-              <a:t>19.09.2018</a:t>
+              <a:t>18.09.2019</a:t>
             </a:fld>
             <a:endParaRPr lang="ru-RU"/>
           </a:p>
@@ -3707,7 +3701,7 @@
           </a:lstStyle>
           <a:p>
             <a:r>
-              <a:rPr lang="ru-RU" smtClean="0"/>
+              <a:rPr lang="ru-RU"/>
               <a:t>Образец заголовка</a:t>
             </a:r>
             <a:endParaRPr lang="en-US" dirty="0"/>
@@ -3772,7 +3766,7 @@
           </a:lstStyle>
           <a:p>
             <a:r>
-              <a:rPr lang="ru-RU" smtClean="0"/>
+              <a:rPr lang="ru-RU"/>
               <a:t>Вставка рисунка</a:t>
             </a:r>
             <a:endParaRPr lang="en-US" dirty="0"/>
@@ -3843,7 +3837,7 @@
           <a:p>
             <a:pPr lvl="0"/>
             <a:r>
-              <a:rPr lang="ru-RU" smtClean="0"/>
+              <a:rPr lang="ru-RU"/>
               <a:t>Образец текста</a:t>
             </a:r>
           </a:p>
@@ -3866,7 +3860,7 @@
           <a:p>
             <a:fld id="{C14F4D0B-68E4-4C14-BD4D-319F9BD213A3}" type="datetimeFigureOut">
               <a:rPr lang="ru-RU" smtClean="0"/>
-              <a:t>19.09.2018</a:t>
+              <a:t>18.09.2019</a:t>
             </a:fld>
             <a:endParaRPr lang="ru-RU"/>
           </a:p>
@@ -3975,7 +3969,7 @@
           <a:lstStyle/>
           <a:p>
             <a:r>
-              <a:rPr lang="ru-RU" smtClean="0"/>
+              <a:rPr lang="ru-RU"/>
               <a:t>Образец заголовка</a:t>
             </a:r>
             <a:endParaRPr lang="en-US" dirty="0"/>
@@ -4009,35 +4003,35 @@
           <a:p>
             <a:pPr lvl="0"/>
             <a:r>
-              <a:rPr lang="ru-RU" smtClean="0"/>
+              <a:rPr lang="ru-RU"/>
               <a:t>Образец текста</a:t>
             </a:r>
           </a:p>
           <a:p>
             <a:pPr lvl="1"/>
             <a:r>
-              <a:rPr lang="ru-RU" smtClean="0"/>
+              <a:rPr lang="ru-RU"/>
               <a:t>Второй уровень</a:t>
             </a:r>
           </a:p>
           <a:p>
             <a:pPr lvl="2"/>
             <a:r>
-              <a:rPr lang="ru-RU" smtClean="0"/>
+              <a:rPr lang="ru-RU"/>
               <a:t>Третий уровень</a:t>
             </a:r>
           </a:p>
           <a:p>
             <a:pPr lvl="3"/>
             <a:r>
-              <a:rPr lang="ru-RU" smtClean="0"/>
+              <a:rPr lang="ru-RU"/>
               <a:t>Четвертый уровень</a:t>
             </a:r>
           </a:p>
           <a:p>
             <a:pPr lvl="4"/>
             <a:r>
-              <a:rPr lang="ru-RU" smtClean="0"/>
+              <a:rPr lang="ru-RU"/>
               <a:t>Пятый уровень</a:t>
             </a:r>
             <a:endParaRPr lang="en-US" dirty="0"/>
@@ -4080,7 +4074,7 @@
           <a:p>
             <a:fld id="{C14F4D0B-68E4-4C14-BD4D-319F9BD213A3}" type="datetimeFigureOut">
               <a:rPr lang="ru-RU" smtClean="0"/>
-              <a:t>19.09.2018</a:t>
+              <a:t>18.09.2019</a:t>
             </a:fld>
             <a:endParaRPr lang="ru-RU"/>
           </a:p>
@@ -4590,7 +4584,7 @@
           <a:lstStyle/>
           <a:p>
             <a:r>
-              <a:rPr lang="en-US" sz="3600" b="1" dirty="0" smtClean="0">
+              <a:rPr lang="en-US" sz="3600" b="1" dirty="0">
                 <a:solidFill>
                   <a:srgbClr val="0064B5"/>
                 </a:solidFill>
@@ -4618,7 +4612,7 @@
         <p:spPr>
           <a:xfrm>
             <a:off x="560070" y="1197429"/>
-            <a:ext cx="8068673" cy="6678751"/>
+            <a:ext cx="8068673" cy="6124754"/>
           </a:xfrm>
           <a:prstGeom prst="rect">
             <a:avLst/>
@@ -4632,16 +4626,16 @@
           <a:lstStyle/>
           <a:p>
             <a:r>
-              <a:rPr lang="ru-RU" sz="3200" dirty="0" smtClean="0"/>
+              <a:rPr lang="ru-RU" sz="3200" dirty="0"/>
               <a:t>Правила </a:t>
             </a:r>
             <a:r>
-              <a:rPr lang="ru-RU" sz="3200" dirty="0" smtClean="0">
+              <a:rPr lang="ru-RU" sz="3200" dirty="0">
                 <a:sym typeface="Wingdings" panose="05000000000000000000" pitchFamily="2" charset="2"/>
               </a:rPr>
               <a:t></a:t>
             </a:r>
-            <a:endParaRPr lang="en-US" sz="3200" dirty="0" smtClean="0"/>
+            <a:endParaRPr lang="en-US" sz="3200" dirty="0"/>
           </a:p>
           <a:p>
             <a:pPr marL="457200" indent="-457200">
@@ -4649,10 +4643,9 @@
               <a:buChar char="•"/>
             </a:pPr>
             <a:r>
-              <a:rPr lang="ru-RU" sz="3200" dirty="0" smtClean="0"/>
+              <a:rPr lang="ru-RU" sz="3200" dirty="0"/>
               <a:t>Занятия </a:t>
             </a:r>
-            <a:endParaRPr lang="ru-RU" sz="3200" dirty="0"/>
           </a:p>
           <a:p>
             <a:pPr marL="857250" lvl="1" indent="-457200">
@@ -4669,49 +4662,11 @@
             </a:r>
             <a:r>
               <a:rPr lang="ru-RU" dirty="0" err="1"/>
-              <a:t>Пн-Ср,Вт-Чт</a:t>
+              <a:t>Пн</a:t>
             </a:r>
             <a:r>
               <a:rPr lang="ru-RU" dirty="0"/>
-              <a:t>)</a:t>
-            </a:r>
-          </a:p>
-          <a:p>
-            <a:pPr marL="857250" lvl="1" indent="-457200">
-              <a:buFont typeface="Arial" pitchFamily="34" charset="0"/>
-              <a:buChar char="•"/>
-            </a:pPr>
-            <a:r>
-              <a:rPr lang="ru-RU" dirty="0"/>
-              <a:t>10:00 по 14:</a:t>
-            </a:r>
-            <a:r>
-              <a:rPr lang="en-US" dirty="0"/>
-              <a:t>3</a:t>
-            </a:r>
-            <a:r>
-              <a:rPr lang="ru-RU" dirty="0"/>
-              <a:t>0 / 15:00 по 19:</a:t>
-            </a:r>
-            <a:r>
-              <a:rPr lang="en-US" dirty="0"/>
-              <a:t>3</a:t>
-            </a:r>
-            <a:r>
-              <a:rPr lang="ru-RU" dirty="0"/>
-              <a:t>0 (</a:t>
-            </a:r>
-            <a:r>
-              <a:rPr lang="ru-RU" dirty="0" err="1"/>
-              <a:t>Сб</a:t>
-            </a:r>
-            <a:r>
-              <a:rPr lang="ru-RU" dirty="0"/>
-              <a:t>)</a:t>
-            </a:r>
-            <a:r>
-              <a:rPr lang="en-US" dirty="0"/>
-              <a:t> </a:t>
+              <a:t>-Ср)</a:t>
             </a:r>
           </a:p>
           <a:p>
@@ -4765,13 +4720,9 @@
             </a:r>
             <a:r>
               <a:rPr lang="ru-RU" sz="3200" dirty="0"/>
-              <a:t>– только на </a:t>
-            </a:r>
-            <a:r>
-              <a:rPr lang="ru-RU" sz="3200" dirty="0" smtClean="0"/>
-              <a:t>улице</a:t>
-            </a:r>
-            <a:endParaRPr lang="en-US" sz="3200" dirty="0" smtClean="0"/>
+              <a:t>– только на улице</a:t>
+            </a:r>
+            <a:endParaRPr lang="en-US" sz="3200" dirty="0"/>
           </a:p>
           <a:p>
             <a:pPr marL="457200" indent="-457200">
@@ -4779,44 +4730,32 @@
               <a:buChar char="•"/>
             </a:pPr>
             <a:r>
-              <a:rPr lang="ru-RU" sz="3200" dirty="0" smtClean="0"/>
+              <a:rPr lang="ru-RU" sz="3200" dirty="0"/>
               <a:t>Материалы курса - </a:t>
             </a:r>
             <a:r>
               <a:rPr lang="en-US" sz="3200" dirty="0">
                 <a:hlinkClick r:id="rId3"/>
               </a:rPr>
-              <a:t>https://</a:t>
-            </a:r>
-            <a:r>
-              <a:rPr lang="en-US" sz="3200" dirty="0" smtClean="0">
-                <a:hlinkClick r:id="rId3"/>
-              </a:rPr>
-              <a:t>github.com/Demolis/Infopulse/tree/master/Sat_Data_Science</a:t>
-            </a:r>
-            <a:r>
-              <a:rPr lang="ru-RU" sz="3200" dirty="0" smtClean="0"/>
+              <a:t>https://github.com/Demolis/Infopulse/tree/master/DS_Mon_Wed_2019</a:t>
+            </a:r>
+            <a:r>
+              <a:rPr lang="en-US" sz="3200" dirty="0"/>
               <a:t> </a:t>
             </a:r>
-            <a:endParaRPr lang="ru-RU" sz="3200" dirty="0"/>
+            <a:endParaRPr lang="ru-RU" dirty="0"/>
           </a:p>
           <a:p>
             <a:pPr marL="342900" indent="-342900">
               <a:buAutoNum type="arabicParenR"/>
             </a:pPr>
-            <a:endParaRPr lang="ru-RU" dirty="0" smtClean="0"/>
-          </a:p>
-          <a:p>
-            <a:pPr marL="342900" indent="-342900">
-              <a:buAutoNum type="arabicParenR"/>
-            </a:pPr>
-            <a:endParaRPr lang="en-US" dirty="0" smtClean="0"/>
-          </a:p>
-          <a:p>
-            <a:endParaRPr lang="ru-RU" dirty="0" smtClean="0"/>
-          </a:p>
-          <a:p>
-            <a:endParaRPr lang="ru-RU" dirty="0" smtClean="0"/>
+            <a:endParaRPr lang="en-US" dirty="0"/>
+          </a:p>
+          <a:p>
+            <a:endParaRPr lang="ru-RU" dirty="0"/>
+          </a:p>
+          <a:p>
+            <a:endParaRPr lang="ru-RU" dirty="0"/>
           </a:p>
         </p:txBody>
       </p:sp>
@@ -4830,13 +4769,6 @@
   <p:clrMapOvr>
     <a:masterClrMapping/>
   </p:clrMapOvr>
-  <p:timing>
-    <p:tnLst>
-      <p:par>
-        <p:cTn id="1" dur="indefinite" restart="never" nodeType="tmRoot"/>
-      </p:par>
-    </p:tnLst>
-  </p:timing>
 </p:sld>
 </file>
 
@@ -4973,7 +4905,7 @@
           <a:lstStyle/>
           <a:p>
             <a:r>
-              <a:rPr lang="ru-RU" sz="3600" b="1" dirty="0" smtClean="0">
+              <a:rPr lang="ru-RU" sz="3600" b="1" dirty="0">
                 <a:solidFill>
                   <a:srgbClr val="0064B5"/>
                 </a:solidFill>
@@ -4982,13 +4914,6 @@
               </a:rPr>
               <a:t>Задания</a:t>
             </a:r>
-            <a:endParaRPr lang="ru-RU" sz="3600" b="1" dirty="0">
-              <a:solidFill>
-                <a:srgbClr val="0064B5"/>
-              </a:solidFill>
-              <a:latin typeface="Arial" pitchFamily="34" charset="0"/>
-              <a:cs typeface="Arial" pitchFamily="34" charset="0"/>
-            </a:endParaRPr>
           </a:p>
         </p:txBody>
       </p:sp>
@@ -5167,13 +5092,13 @@
             <a:pPr marL="0" indent="0">
               <a:buNone/>
             </a:pPr>
-            <a:endParaRPr lang="ru-RU" sz="1800" dirty="0" smtClean="0"/>
+            <a:endParaRPr lang="ru-RU" sz="1800" dirty="0"/>
           </a:p>
           <a:p>
             <a:pPr marL="0" indent="0">
               <a:buNone/>
             </a:pPr>
-            <a:endParaRPr lang="en-US" dirty="0" smtClean="0"/>
+            <a:endParaRPr lang="en-US" dirty="0"/>
           </a:p>
           <a:p>
             <a:endParaRPr lang="ru-RU" dirty="0"/>
@@ -5359,19 +5284,19 @@
               <a:buNone/>
             </a:pPr>
             <a:r>
-              <a:rPr lang="ru-RU" sz="2000" dirty="0" smtClean="0"/>
+              <a:rPr lang="ru-RU" sz="2000" dirty="0"/>
               <a:t>1. Изучить функцию </a:t>
             </a:r>
             <a:r>
-              <a:rPr lang="en-US" sz="2000" dirty="0" err="1" smtClean="0"/>
+              <a:rPr lang="en-US" sz="2000" dirty="0" err="1"/>
               <a:t>rnorm</a:t>
             </a:r>
             <a:r>
-              <a:rPr lang="en-US" sz="2000" dirty="0" smtClean="0"/>
+              <a:rPr lang="en-US" sz="2000" dirty="0"/>
               <a:t>(), </a:t>
             </a:r>
             <a:r>
-              <a:rPr lang="ru-RU" sz="2000" dirty="0" smtClean="0"/>
+              <a:rPr lang="ru-RU" sz="2000" dirty="0"/>
               <a:t>разобраться зачем она, какие у нее параметры.</a:t>
             </a:r>
           </a:p>
@@ -5383,20 +5308,96 @@
               <a:buNone/>
             </a:pPr>
             <a:r>
-              <a:rPr lang="ru-RU" sz="2000" dirty="0" smtClean="0"/>
+              <a:rPr lang="ru-RU" sz="2000" dirty="0"/>
               <a:t>2. Создать 2 массива по 100 случайных чисел используя </a:t>
             </a:r>
             <a:r>
-              <a:rPr lang="en-US" sz="2000" dirty="0" err="1" smtClean="0"/>
+              <a:rPr lang="en-US" sz="2000" dirty="0" err="1"/>
               <a:t>rnorm</a:t>
             </a:r>
             <a:r>
               <a:rPr lang="ru-RU" sz="2000" dirty="0"/>
+              <a:t> (параметры выбрать произвольно).  Посчитать среднее значение и стандартное отклонение каждого массива, сравнить с параметрами функции. </a:t>
+            </a:r>
+          </a:p>
+          <a:p>
+            <a:pPr marL="0" indent="0">
+              <a:spcBef>
+                <a:spcPts val="0"/>
+              </a:spcBef>
+              <a:buNone/>
+            </a:pPr>
+            <a:r>
+              <a:rPr lang="ru-RU" sz="2000" dirty="0"/>
+              <a:t>3. Построить точечный график, где Х – элементы 1 массива, в </a:t>
+            </a:r>
+            <a:r>
+              <a:rPr lang="en-US" sz="2000" dirty="0"/>
+              <a:t>Y</a:t>
+            </a:r>
+            <a:r>
+              <a:rPr lang="ru-RU" sz="2000" dirty="0"/>
+              <a:t> - второго.</a:t>
+            </a:r>
+          </a:p>
+          <a:p>
+            <a:pPr marL="0" indent="0">
+              <a:spcBef>
+                <a:spcPts val="0"/>
+              </a:spcBef>
+              <a:buNone/>
+            </a:pPr>
+            <a:r>
+              <a:rPr lang="ru-RU" sz="2000" dirty="0"/>
+              <a:t>4. Построить гистограммы элементов каждого массива</a:t>
+            </a:r>
+            <a:r>
+              <a:rPr lang="uk-UA" sz="2000" dirty="0"/>
+              <a:t>.</a:t>
+            </a:r>
+          </a:p>
+          <a:p>
+            <a:pPr marL="0" indent="0">
+              <a:spcBef>
+                <a:spcPts val="0"/>
+              </a:spcBef>
+              <a:buNone/>
+            </a:pPr>
+            <a:r>
+              <a:rPr lang="uk-UA" sz="2000" dirty="0"/>
+              <a:t>5. </a:t>
+            </a:r>
+            <a:r>
+              <a:rPr lang="uk-UA" sz="2000" dirty="0" err="1"/>
+              <a:t>Увеличить</a:t>
+            </a:r>
+            <a:r>
+              <a:rPr lang="uk-UA" sz="2000" dirty="0"/>
               <a:t> </a:t>
             </a:r>
             <a:r>
-              <a:rPr lang="ru-RU" sz="2000" dirty="0" smtClean="0"/>
-              <a:t>(параметры выбрать произвольно).  Посчитать среднее значение и стандартное отклонение каждого массива, сравнить с параметрами функции. </a:t>
+              <a:rPr lang="uk-UA" sz="2000" dirty="0" err="1"/>
+              <a:t>элементы</a:t>
+            </a:r>
+            <a:r>
+              <a:rPr lang="uk-UA" sz="2000" dirty="0"/>
+              <a:t> 1 </a:t>
+            </a:r>
+            <a:r>
+              <a:rPr lang="uk-UA" sz="2000" dirty="0" err="1"/>
+              <a:t>массива</a:t>
+            </a:r>
+            <a:r>
+              <a:rPr lang="uk-UA" sz="2000" dirty="0"/>
+              <a:t> в 3 </a:t>
+            </a:r>
+            <a:r>
+              <a:rPr lang="uk-UA" sz="2000" dirty="0" err="1"/>
+              <a:t>раза</a:t>
+            </a:r>
+            <a:r>
+              <a:rPr lang="uk-UA" sz="2000" dirty="0"/>
+              <a:t>.</a:t>
             </a:r>
           </a:p>
           <a:p>
@@ -5407,162 +5408,82 @@
               <a:buNone/>
             </a:pPr>
             <a:r>
-              <a:rPr lang="ru-RU" sz="2000" dirty="0" smtClean="0"/>
-              <a:t>3. Построить точечный график, где Х – элементы 1 массива, в </a:t>
-            </a:r>
-            <a:r>
-              <a:rPr lang="en-US" sz="2000" dirty="0" smtClean="0"/>
-              <a:t>Y</a:t>
-            </a:r>
-            <a:r>
-              <a:rPr lang="ru-RU" sz="2000" dirty="0" smtClean="0"/>
-              <a:t> - второго.</a:t>
-            </a:r>
-          </a:p>
-          <a:p>
-            <a:pPr marL="0" indent="0">
-              <a:spcBef>
-                <a:spcPts val="0"/>
-              </a:spcBef>
-              <a:buNone/>
-            </a:pPr>
-            <a:r>
-              <a:rPr lang="ru-RU" sz="2000" dirty="0" smtClean="0"/>
-              <a:t>4. Построить гистограммы элементов каждого массива</a:t>
-            </a:r>
-            <a:r>
-              <a:rPr lang="uk-UA" sz="2000" dirty="0" smtClean="0"/>
-              <a:t>.</a:t>
-            </a:r>
-          </a:p>
-          <a:p>
-            <a:pPr marL="0" indent="0">
-              <a:spcBef>
-                <a:spcPts val="0"/>
-              </a:spcBef>
-              <a:buNone/>
-            </a:pPr>
-            <a:r>
-              <a:rPr lang="uk-UA" sz="2000" dirty="0" smtClean="0"/>
-              <a:t>5. </a:t>
-            </a:r>
-            <a:r>
-              <a:rPr lang="uk-UA" sz="2000" dirty="0" err="1" smtClean="0"/>
-              <a:t>Увеличить</a:t>
-            </a:r>
-            <a:r>
-              <a:rPr lang="uk-UA" sz="2000" dirty="0" smtClean="0"/>
+              <a:rPr lang="uk-UA" sz="2000" dirty="0"/>
+              <a:t>6. От </a:t>
+            </a:r>
+            <a:r>
+              <a:rPr lang="uk-UA" sz="2000" dirty="0" err="1"/>
+              <a:t>всех</a:t>
+            </a:r>
+            <a:r>
+              <a:rPr lang="uk-UA" sz="2000" dirty="0"/>
               <a:t> </a:t>
             </a:r>
             <a:r>
-              <a:rPr lang="uk-UA" sz="2000" dirty="0" err="1" smtClean="0"/>
-              <a:t>элементы</a:t>
-            </a:r>
-            <a:r>
-              <a:rPr lang="uk-UA" sz="2000" dirty="0" smtClean="0"/>
-              <a:t> 1 </a:t>
-            </a:r>
-            <a:r>
-              <a:rPr lang="uk-UA" sz="2000" dirty="0" err="1" smtClean="0"/>
+              <a:rPr lang="uk-UA" sz="2000" dirty="0" err="1"/>
+              <a:t>элементов</a:t>
+            </a:r>
+            <a:r>
+              <a:rPr lang="uk-UA" sz="2000" dirty="0"/>
+              <a:t> </a:t>
+            </a:r>
+            <a:r>
+              <a:rPr lang="uk-UA" sz="2000" dirty="0" err="1"/>
+              <a:t>второго</a:t>
+            </a:r>
+            <a:r>
+              <a:rPr lang="uk-UA" sz="2000" dirty="0"/>
+              <a:t> </a:t>
+            </a:r>
+            <a:r>
+              <a:rPr lang="uk-UA" sz="2000" dirty="0" err="1"/>
               <a:t>массива</a:t>
             </a:r>
             <a:r>
-              <a:rPr lang="uk-UA" sz="2000" dirty="0" smtClean="0"/>
-              <a:t> в 3 </a:t>
-            </a:r>
-            <a:r>
-              <a:rPr lang="uk-UA" sz="2000" dirty="0" err="1" smtClean="0"/>
-              <a:t>раза</a:t>
-            </a:r>
-            <a:r>
-              <a:rPr lang="uk-UA" sz="2000" dirty="0" smtClean="0"/>
-              <a:t>.</a:t>
-            </a:r>
-          </a:p>
-          <a:p>
-            <a:pPr marL="0" indent="0">
-              <a:spcBef>
-                <a:spcPts val="0"/>
-              </a:spcBef>
-              <a:buNone/>
-            </a:pPr>
-            <a:r>
-              <a:rPr lang="uk-UA" sz="2000" dirty="0" smtClean="0"/>
-              <a:t>6. От </a:t>
-            </a:r>
-            <a:r>
-              <a:rPr lang="uk-UA" sz="2000" dirty="0" err="1" smtClean="0"/>
-              <a:t>всех</a:t>
-            </a:r>
-            <a:r>
-              <a:rPr lang="uk-UA" sz="2000" dirty="0" smtClean="0"/>
+              <a:rPr lang="uk-UA" sz="2000" dirty="0"/>
+              <a:t>, </a:t>
+            </a:r>
+            <a:r>
+              <a:rPr lang="uk-UA" sz="2000" dirty="0" err="1"/>
+              <a:t>которые</a:t>
+            </a:r>
+            <a:r>
+              <a:rPr lang="uk-UA" sz="2000" dirty="0"/>
               <a:t> </a:t>
             </a:r>
             <a:r>
-              <a:rPr lang="uk-UA" sz="2000" dirty="0" err="1" smtClean="0"/>
-              <a:t>элементов</a:t>
-            </a:r>
-            <a:r>
-              <a:rPr lang="uk-UA" sz="2000" dirty="0" smtClean="0"/>
+              <a:rPr lang="uk-UA" sz="2000" dirty="0" err="1"/>
+              <a:t>больше</a:t>
+            </a:r>
+            <a:r>
+              <a:rPr lang="uk-UA" sz="2000" dirty="0"/>
               <a:t> </a:t>
             </a:r>
             <a:r>
-              <a:rPr lang="uk-UA" sz="2000" dirty="0" err="1" smtClean="0"/>
-              <a:t>второго</a:t>
-            </a:r>
-            <a:r>
-              <a:rPr lang="uk-UA" sz="2000" dirty="0" smtClean="0"/>
+              <a:rPr lang="uk-UA" sz="2000" dirty="0" err="1"/>
+              <a:t>среднего</a:t>
+            </a:r>
+            <a:r>
+              <a:rPr lang="uk-UA" sz="2000" dirty="0"/>
               <a:t> </a:t>
             </a:r>
             <a:r>
-              <a:rPr lang="uk-UA" sz="2000" dirty="0" err="1" smtClean="0"/>
-              <a:t>массива</a:t>
-            </a:r>
-            <a:r>
-              <a:rPr lang="uk-UA" sz="2000" dirty="0" smtClean="0"/>
+              <a:rPr lang="uk-UA" sz="2000" dirty="0" err="1"/>
+              <a:t>значения</a:t>
+            </a:r>
+            <a:r>
+              <a:rPr lang="uk-UA" sz="2000" dirty="0"/>
               <a:t>, </a:t>
             </a:r>
             <a:r>
-              <a:rPr lang="uk-UA" sz="2000" dirty="0" err="1" smtClean="0"/>
-              <a:t>которые</a:t>
-            </a:r>
-            <a:r>
-              <a:rPr lang="uk-UA" sz="2000" dirty="0" smtClean="0"/>
-              <a:t> </a:t>
-            </a:r>
-            <a:r>
-              <a:rPr lang="uk-UA" sz="2000" dirty="0" err="1" smtClean="0"/>
-              <a:t>больше</a:t>
-            </a:r>
-            <a:r>
-              <a:rPr lang="uk-UA" sz="2000" dirty="0" smtClean="0"/>
-              <a:t> </a:t>
-            </a:r>
-            <a:r>
-              <a:rPr lang="uk-UA" sz="2000" dirty="0" err="1" smtClean="0"/>
-              <a:t>среднего</a:t>
-            </a:r>
-            <a:r>
-              <a:rPr lang="uk-UA" sz="2000" dirty="0" smtClean="0"/>
-              <a:t> </a:t>
-            </a:r>
-            <a:r>
-              <a:rPr lang="uk-UA" sz="2000" dirty="0" err="1" smtClean="0"/>
-              <a:t>значения</a:t>
-            </a:r>
-            <a:r>
-              <a:rPr lang="uk-UA" sz="2000" dirty="0" smtClean="0"/>
-              <a:t>, </a:t>
-            </a:r>
-            <a:r>
-              <a:rPr lang="uk-UA" sz="2000" dirty="0" err="1" smtClean="0"/>
+              <a:rPr lang="uk-UA" sz="2000" dirty="0" err="1"/>
               <a:t>отнять</a:t>
             </a:r>
             <a:r>
-              <a:rPr lang="uk-UA" sz="2000" dirty="0" smtClean="0"/>
+              <a:rPr lang="uk-UA" sz="2000" dirty="0"/>
               <a:t> 18.</a:t>
             </a:r>
-            <a:endParaRPr lang="en-US" sz="2000" dirty="0" smtClean="0"/>
+            <a:endParaRPr lang="en-US" sz="2000" dirty="0"/>
           </a:p>
           <a:p>
             <a:pPr marL="0" indent="0">
@@ -5589,13 +5510,7 @@
             <a:pPr marL="0" indent="0">
               <a:buNone/>
             </a:pPr>
-            <a:endParaRPr lang="ru-RU" sz="1800" dirty="0" smtClean="0"/>
-          </a:p>
-          <a:p>
-            <a:pPr marL="0" indent="0">
-              <a:buNone/>
-            </a:pPr>
-            <a:endParaRPr lang="ru-RU" sz="1800" dirty="0" smtClean="0"/>
+            <a:endParaRPr lang="ru-RU" sz="1800" dirty="0"/>
           </a:p>
           <a:p>
             <a:pPr marL="0" indent="0">
@@ -5613,13 +5528,19 @@
             <a:pPr marL="0" indent="0">
               <a:buNone/>
             </a:pPr>
-            <a:endParaRPr lang="ru-RU" sz="1800" dirty="0" smtClean="0"/>
+            <a:endParaRPr lang="ru-RU" sz="1800" dirty="0"/>
           </a:p>
           <a:p>
             <a:pPr marL="0" indent="0">
               <a:buNone/>
             </a:pPr>
-            <a:endParaRPr lang="en-US" dirty="0" smtClean="0"/>
+            <a:endParaRPr lang="ru-RU" sz="1800" dirty="0"/>
+          </a:p>
+          <a:p>
+            <a:pPr marL="0" indent="0">
+              <a:buNone/>
+            </a:pPr>
+            <a:endParaRPr lang="en-US" dirty="0"/>
           </a:p>
           <a:p>
             <a:endParaRPr lang="ru-RU" dirty="0"/>
@@ -5636,13 +5557,6 @@
   <p:clrMapOvr>
     <a:masterClrMapping/>
   </p:clrMapOvr>
-  <p:timing>
-    <p:tnLst>
-      <p:par>
-        <p:cTn id="1" dur="indefinite" restart="never" nodeType="tmRoot"/>
-      </p:par>
-    </p:tnLst>
-  </p:timing>
 </p:sld>
 </file>
 
@@ -5779,7 +5693,7 @@
           <a:lstStyle/>
           <a:p>
             <a:r>
-              <a:rPr lang="ru-RU" sz="3600" b="1" dirty="0" smtClean="0">
+              <a:rPr lang="ru-RU" sz="3600" b="1" dirty="0">
                 <a:solidFill>
                   <a:srgbClr val="0064B5"/>
                 </a:solidFill>
@@ -5788,13 +5702,6 @@
               </a:rPr>
               <a:t>Структура курса</a:t>
             </a:r>
-            <a:endParaRPr lang="ru-RU" sz="3600" b="1" dirty="0">
-              <a:solidFill>
-                <a:srgbClr val="0064B5"/>
-              </a:solidFill>
-              <a:latin typeface="Arial" pitchFamily="34" charset="0"/>
-              <a:cs typeface="Arial" pitchFamily="34" charset="0"/>
-            </a:endParaRPr>
           </a:p>
         </p:txBody>
       </p:sp>
@@ -5975,7 +5882,7 @@
               <a:buChar char="•"/>
             </a:pPr>
             <a:r>
-              <a:rPr lang="ru-RU" sz="2800" dirty="0" smtClean="0"/>
+              <a:rPr lang="ru-RU" sz="2800" dirty="0"/>
               <a:t>Знакомство</a:t>
             </a:r>
           </a:p>
@@ -5985,15 +5892,15 @@
               <a:buChar char="•"/>
             </a:pPr>
             <a:r>
-              <a:rPr lang="ru-RU" sz="2800" dirty="0" smtClean="0"/>
+              <a:rPr lang="ru-RU" sz="2800" dirty="0"/>
               <a:t>Что такое </a:t>
             </a:r>
             <a:r>
-              <a:rPr lang="en-US" sz="2800" dirty="0" smtClean="0"/>
+              <a:rPr lang="en-US" sz="2800" dirty="0"/>
               <a:t>Data Science</a:t>
             </a:r>
             <a:r>
-              <a:rPr lang="ru-RU" sz="2800" dirty="0" smtClean="0"/>
+              <a:rPr lang="ru-RU" sz="2800" dirty="0"/>
               <a:t>, основные определения</a:t>
             </a:r>
           </a:p>
@@ -6003,14 +5910,14 @@
               <a:buChar char="•"/>
             </a:pPr>
             <a:r>
-              <a:rPr lang="ru-RU" sz="2800" dirty="0" smtClean="0"/>
+              <a:rPr lang="ru-RU" sz="2800" dirty="0"/>
               <a:t>Основы языка </a:t>
             </a:r>
             <a:r>
-              <a:rPr lang="en-US" sz="2800" dirty="0" smtClean="0"/>
+              <a:rPr lang="en-US" sz="2800" dirty="0"/>
               <a:t>R</a:t>
             </a:r>
-            <a:endParaRPr lang="ru-RU" sz="2800" dirty="0" smtClean="0"/>
+            <a:endParaRPr lang="ru-RU" sz="2800" dirty="0"/>
           </a:p>
           <a:p>
             <a:pPr marL="457200" indent="-457200">
@@ -6018,14 +5925,14 @@
               <a:buChar char="•"/>
             </a:pPr>
             <a:r>
-              <a:rPr lang="en-US" sz="2800" dirty="0" smtClean="0"/>
+              <a:rPr lang="en-US" sz="2800" dirty="0"/>
               <a:t>Data Mining </a:t>
             </a:r>
             <a:r>
-              <a:rPr lang="ru-RU" sz="2800" dirty="0" smtClean="0"/>
+              <a:rPr lang="ru-RU" sz="2800" dirty="0"/>
               <a:t>и математическая статистика</a:t>
             </a:r>
-            <a:endParaRPr lang="en-US" sz="2800" dirty="0" smtClean="0"/>
+            <a:endParaRPr lang="en-US" sz="2800" dirty="0"/>
           </a:p>
           <a:p>
             <a:pPr marL="457200" indent="-457200">
@@ -6033,10 +5940,10 @@
               <a:buChar char="•"/>
             </a:pPr>
             <a:r>
-              <a:rPr lang="ru-RU" sz="2800" dirty="0" smtClean="0"/>
+              <a:rPr lang="ru-RU" sz="2800" dirty="0"/>
               <a:t>Машинное обучение</a:t>
             </a:r>
-            <a:endParaRPr lang="en-US" sz="2800" dirty="0" smtClean="0"/>
+            <a:endParaRPr lang="en-US" sz="2800" dirty="0"/>
           </a:p>
           <a:p>
             <a:pPr marL="457200" indent="-457200">
@@ -6044,7 +5951,7 @@
               <a:buChar char="•"/>
             </a:pPr>
             <a:r>
-              <a:rPr lang="ru-RU" sz="2800" dirty="0" smtClean="0"/>
+              <a:rPr lang="ru-RU" sz="2800" dirty="0"/>
               <a:t>Текстовый анализ</a:t>
             </a:r>
           </a:p>
@@ -6054,7 +5961,7 @@
               <a:buChar char="•"/>
             </a:pPr>
             <a:r>
-              <a:rPr lang="ru-RU" sz="2800" dirty="0" smtClean="0"/>
+              <a:rPr lang="ru-RU" sz="2800" dirty="0"/>
               <a:t>Пространственный анализ</a:t>
             </a:r>
           </a:p>
@@ -6064,10 +5971,10 @@
               <a:buChar char="•"/>
             </a:pPr>
             <a:r>
-              <a:rPr lang="en-US" sz="2800" dirty="0" smtClean="0"/>
+              <a:rPr lang="en-US" sz="2800" dirty="0"/>
               <a:t>GUI</a:t>
             </a:r>
-            <a:endParaRPr lang="ru-RU" sz="2800" dirty="0" smtClean="0"/>
+            <a:endParaRPr lang="ru-RU" sz="2800" dirty="0"/>
           </a:p>
           <a:p>
             <a:pPr marL="457200" indent="-457200">
@@ -6075,16 +5982,16 @@
               <a:buChar char="•"/>
             </a:pPr>
             <a:r>
-              <a:rPr lang="en-US" sz="2800" dirty="0" smtClean="0"/>
+              <a:rPr lang="en-US" sz="2800" dirty="0"/>
               <a:t>Big Data, </a:t>
             </a:r>
             <a:r>
-              <a:rPr lang="ru-RU" sz="2800" dirty="0" smtClean="0"/>
+              <a:rPr lang="ru-RU" sz="2800" dirty="0"/>
               <a:t>что такое и как работать</a:t>
             </a:r>
           </a:p>
           <a:p>
-            <a:endParaRPr lang="en-US" dirty="0" smtClean="0"/>
+            <a:endParaRPr lang="en-US" dirty="0"/>
           </a:p>
           <a:p>
             <a:endParaRPr lang="ru-RU" dirty="0"/>
@@ -6101,13 +6008,6 @@
   <p:clrMapOvr>
     <a:masterClrMapping/>
   </p:clrMapOvr>
-  <p:timing>
-    <p:tnLst>
-      <p:par>
-        <p:cTn id="1" dur="indefinite" restart="never" nodeType="tmRoot"/>
-      </p:par>
-    </p:tnLst>
-  </p:timing>
 </p:sld>
 </file>
 
@@ -6244,7 +6144,7 @@
           <a:lstStyle/>
           <a:p>
             <a:r>
-              <a:rPr lang="en-US" sz="3600" b="1" dirty="0" smtClean="0">
+              <a:rPr lang="en-US" sz="3600" b="1" dirty="0">
                 <a:solidFill>
                   <a:srgbClr val="0064B5"/>
                 </a:solidFill>
@@ -6339,41 +6239,25 @@
           <a:lstStyle/>
           <a:p>
             <a:r>
-              <a:rPr lang="en-US" sz="1000" dirty="0" smtClean="0"/>
-              <a:t>Pictures’ Sources</a:t>
-            </a:r>
-            <a:r>
               <a:rPr lang="en-US" sz="1000" dirty="0"/>
-              <a:t>: </a:t>
+              <a:t>Pictures’ Sources: </a:t>
             </a:r>
             <a:r>
               <a:rPr lang="en-US" sz="1000" dirty="0">
                 <a:hlinkClick r:id="rId5"/>
               </a:rPr>
-              <a:t>https://</a:t>
-            </a:r>
-            <a:r>
-              <a:rPr lang="en-US" sz="1000" dirty="0" smtClean="0">
-                <a:hlinkClick r:id="rId5"/>
-              </a:rPr>
-              <a:t>towardsdatascience.com</a:t>
-            </a:r>
-            <a:endParaRPr lang="en-US" sz="1000" dirty="0" smtClean="0"/>
+              <a:t>https://towardsdatascience.com</a:t>
+            </a:r>
+            <a:endParaRPr lang="en-US" sz="1000" dirty="0"/>
           </a:p>
           <a:p>
             <a:r>
               <a:rPr lang="en-US" sz="1000" dirty="0">
                 <a:hlinkClick r:id="rId6"/>
               </a:rPr>
-              <a:t>http://</a:t>
-            </a:r>
-            <a:r>
-              <a:rPr lang="en-US" sz="1000" dirty="0" smtClean="0">
-                <a:hlinkClick r:id="rId6"/>
-              </a:rPr>
-              <a:t>sudeep.co</a:t>
-            </a:r>
-            <a:endParaRPr lang="en-US" sz="1000" dirty="0" smtClean="0"/>
+              <a:t>http://sudeep.co</a:t>
+            </a:r>
+            <a:endParaRPr lang="en-US" sz="1000" dirty="0"/>
           </a:p>
         </p:txBody>
       </p:sp>
@@ -6387,13 +6271,6 @@
   <p:clrMapOvr>
     <a:masterClrMapping/>
   </p:clrMapOvr>
-  <p:timing>
-    <p:tnLst>
-      <p:par>
-        <p:cTn id="1" dur="indefinite" restart="never" nodeType="tmRoot"/>
-      </p:par>
-    </p:tnLst>
-  </p:timing>
 </p:sld>
 </file>
 
@@ -6530,7 +6407,7 @@
           <a:lstStyle/>
           <a:p>
             <a:r>
-              <a:rPr lang="ru-RU" sz="3600" b="1" dirty="0" smtClean="0">
+              <a:rPr lang="ru-RU" sz="3600" b="1" dirty="0">
                 <a:solidFill>
                   <a:srgbClr val="0064B5"/>
                 </a:solidFill>
@@ -6539,13 +6416,6 @@
               </a:rPr>
               <a:t>ПО</a:t>
             </a:r>
-            <a:endParaRPr lang="ru-RU" sz="3600" b="1" dirty="0">
-              <a:solidFill>
-                <a:srgbClr val="0064B5"/>
-              </a:solidFill>
-              <a:latin typeface="Arial" pitchFamily="34" charset="0"/>
-              <a:cs typeface="Arial" pitchFamily="34" charset="0"/>
-            </a:endParaRPr>
           </a:p>
         </p:txBody>
       </p:sp>
@@ -6733,19 +6603,12 @@
               <a:rPr lang="en-US" sz="2800" dirty="0">
                 <a:hlinkClick r:id="rId3"/>
               </a:rPr>
-              <a:t>https://cran.r-project.org</a:t>
-            </a:r>
-            <a:r>
-              <a:rPr lang="en-US" sz="2800" dirty="0" smtClean="0">
-                <a:hlinkClick r:id="rId3"/>
-              </a:rPr>
-              <a:t>/</a:t>
-            </a:r>
-            <a:r>
-              <a:rPr lang="en-US" sz="2800" dirty="0" smtClean="0"/>
+              <a:t>https://cran.r-project.org/</a:t>
+            </a:r>
+            <a:r>
+              <a:rPr lang="en-US" sz="2800" dirty="0"/>
               <a:t> </a:t>
             </a:r>
-            <a:endParaRPr lang="en-US" sz="2800" dirty="0"/>
           </a:p>
           <a:p>
             <a:pPr marL="457200" indent="-457200">
@@ -6753,26 +6616,20 @@
               <a:buChar char="•"/>
             </a:pPr>
             <a:r>
-              <a:rPr lang="en-US" sz="2800" dirty="0" err="1" smtClean="0"/>
+              <a:rPr lang="en-US" sz="2800" dirty="0" err="1"/>
               <a:t>RStudio</a:t>
             </a:r>
             <a:r>
-              <a:rPr lang="en-US" sz="2800" dirty="0" smtClean="0"/>
+              <a:rPr lang="en-US" sz="2800" dirty="0"/>
               <a:t> </a:t>
             </a:r>
             <a:r>
               <a:rPr lang="en-US" sz="2800" dirty="0">
                 <a:hlinkClick r:id="rId4"/>
               </a:rPr>
-              <a:t>https://www.rstudio.com/products/RStudio</a:t>
-            </a:r>
-            <a:r>
-              <a:rPr lang="en-US" sz="2800" dirty="0" smtClean="0">
-                <a:hlinkClick r:id="rId4"/>
-              </a:rPr>
-              <a:t>/</a:t>
-            </a:r>
-            <a:endParaRPr lang="ru-RU" sz="2800" dirty="0" smtClean="0"/>
+              <a:t>https://www.rstudio.com/products/RStudio/</a:t>
+            </a:r>
+            <a:endParaRPr lang="ru-RU" sz="2800" dirty="0"/>
           </a:p>
           <a:p>
             <a:pPr marL="457200" indent="-457200">
@@ -6780,13 +6637,13 @@
               <a:buChar char="•"/>
             </a:pPr>
             <a:r>
-              <a:rPr lang="en-US" sz="2800" dirty="0" smtClean="0"/>
+              <a:rPr lang="en-US" sz="2800" dirty="0"/>
               <a:t>MS Excel</a:t>
             </a:r>
-            <a:endParaRPr lang="ru-RU" sz="2800" dirty="0" smtClean="0"/>
-          </a:p>
-          <a:p>
-            <a:endParaRPr lang="en-US" dirty="0" smtClean="0"/>
+            <a:endParaRPr lang="ru-RU" sz="2800" dirty="0"/>
+          </a:p>
+          <a:p>
+            <a:endParaRPr lang="en-US" dirty="0"/>
           </a:p>
           <a:p>
             <a:endParaRPr lang="ru-RU" dirty="0"/>
@@ -6803,13 +6660,6 @@
   <p:clrMapOvr>
     <a:masterClrMapping/>
   </p:clrMapOvr>
-  <p:timing>
-    <p:tnLst>
-      <p:par>
-        <p:cTn id="1" dur="indefinite" restart="never" nodeType="tmRoot"/>
-      </p:par>
-    </p:tnLst>
-  </p:timing>
 </p:sld>
 </file>
 
@@ -6946,7 +6796,7 @@
           <a:lstStyle/>
           <a:p>
             <a:r>
-              <a:rPr lang="ru-RU" sz="3600" b="1" dirty="0" smtClean="0">
+              <a:rPr lang="ru-RU" sz="3600" b="1" dirty="0">
                 <a:solidFill>
                   <a:srgbClr val="0064B5"/>
                 </a:solidFill>
@@ -6956,7 +6806,7 @@
               <a:t>Характеристики </a:t>
             </a:r>
             <a:r>
-              <a:rPr lang="en-US" sz="3600" b="1" dirty="0" smtClean="0">
+              <a:rPr lang="en-US" sz="3600" b="1" dirty="0">
                 <a:solidFill>
                   <a:srgbClr val="0064B5"/>
                 </a:solidFill>
@@ -7152,7 +7002,7 @@
               <a:buChar char="•"/>
             </a:pPr>
             <a:r>
-              <a:rPr lang="ru-RU" sz="2800" dirty="0" smtClean="0"/>
+              <a:rPr lang="ru-RU" sz="2800" dirty="0"/>
               <a:t>Высокого уровня</a:t>
             </a:r>
           </a:p>
@@ -7162,7 +7012,7 @@
               <a:buChar char="•"/>
             </a:pPr>
             <a:r>
-              <a:rPr lang="ru-RU" sz="2800" dirty="0" smtClean="0"/>
+              <a:rPr lang="ru-RU" sz="2800" dirty="0"/>
               <a:t>Интерпретируемый (скриптовой)</a:t>
             </a:r>
           </a:p>
@@ -7172,10 +7022,10 @@
               <a:buChar char="•"/>
             </a:pPr>
             <a:r>
-              <a:rPr lang="ru-RU" sz="2800" dirty="0" smtClean="0"/>
+              <a:rPr lang="ru-RU" sz="2800" dirty="0"/>
               <a:t>Нестрого типизированный</a:t>
             </a:r>
-            <a:endParaRPr lang="en-US" sz="2800" dirty="0" smtClean="0"/>
+            <a:endParaRPr lang="en-US" sz="2800" dirty="0"/>
           </a:p>
           <a:p>
             <a:pPr marL="457200" indent="-457200">
@@ -7183,10 +7033,10 @@
               <a:buChar char="•"/>
             </a:pPr>
             <a:r>
-              <a:rPr lang="ru-RU" sz="2800" dirty="0" err="1" smtClean="0"/>
+              <a:rPr lang="ru-RU" sz="2800" dirty="0" err="1"/>
               <a:t>Регистрозависимый</a:t>
             </a:r>
-            <a:endParaRPr lang="en-US" sz="2800" dirty="0" smtClean="0"/>
+            <a:endParaRPr lang="en-US" sz="2800" dirty="0"/>
           </a:p>
           <a:p>
             <a:pPr marL="457200" indent="-457200">
@@ -7194,10 +7044,10 @@
               <a:buChar char="•"/>
             </a:pPr>
             <a:r>
-              <a:rPr lang="ru-RU" sz="2800" dirty="0" err="1" smtClean="0"/>
+              <a:rPr lang="ru-RU" sz="2800" dirty="0" err="1"/>
               <a:t>Кросплатформенный</a:t>
             </a:r>
-            <a:endParaRPr lang="ru-RU" sz="2800" dirty="0" smtClean="0"/>
+            <a:endParaRPr lang="ru-RU" sz="2800" dirty="0"/>
           </a:p>
           <a:p>
             <a:pPr marL="457200" indent="-457200">
@@ -7205,7 +7055,7 @@
               <a:buChar char="•"/>
             </a:pPr>
             <a:r>
-              <a:rPr lang="en-US" sz="2800" dirty="0" smtClean="0"/>
+              <a:rPr lang="en-US" sz="2800" dirty="0"/>
               <a:t>Open Source</a:t>
             </a:r>
           </a:p>
@@ -7214,10 +7064,10 @@
               <a:buFont typeface="Arial" panose="020B0604020202020204" pitchFamily="34" charset="0"/>
               <a:buChar char="•"/>
             </a:pPr>
-            <a:endParaRPr lang="ru-RU" sz="2800" dirty="0" smtClean="0"/>
-          </a:p>
-          <a:p>
-            <a:endParaRPr lang="en-US" dirty="0" smtClean="0"/>
+            <a:endParaRPr lang="ru-RU" sz="2800" dirty="0"/>
+          </a:p>
+          <a:p>
+            <a:endParaRPr lang="en-US" dirty="0"/>
           </a:p>
           <a:p>
             <a:endParaRPr lang="ru-RU" dirty="0"/>
@@ -7234,13 +7084,6 @@
   <p:clrMapOvr>
     <a:masterClrMapping/>
   </p:clrMapOvr>
-  <p:timing>
-    <p:tnLst>
-      <p:par>
-        <p:cTn id="1" dur="indefinite" restart="never" nodeType="tmRoot"/>
-      </p:par>
-    </p:tnLst>
-  </p:timing>
 </p:sld>
 </file>
 
@@ -7377,7 +7220,7 @@
           <a:lstStyle/>
           <a:p>
             <a:r>
-              <a:rPr lang="en-US" sz="3600" b="1" dirty="0" err="1" smtClean="0">
+              <a:rPr lang="en-US" sz="3600" b="1" dirty="0" err="1">
                 <a:solidFill>
                   <a:srgbClr val="0064B5"/>
                 </a:solidFill>
@@ -7593,35 +7436,35 @@
               <a:buNone/>
             </a:pPr>
             <a:r>
-              <a:rPr lang="en-US" sz="1800" dirty="0" err="1" smtClean="0"/>
+              <a:rPr lang="en-US" sz="1800" dirty="0" err="1"/>
               <a:t>Ctrl+L</a:t>
             </a:r>
             <a:r>
-              <a:rPr lang="en-US" sz="1800" dirty="0" smtClean="0"/>
+              <a:rPr lang="en-US" sz="1800" dirty="0"/>
               <a:t> – </a:t>
             </a:r>
             <a:r>
-              <a:rPr lang="ru-RU" sz="1800" dirty="0" smtClean="0"/>
+              <a:rPr lang="ru-RU" sz="1800" dirty="0"/>
               <a:t>очистить консоль			С</a:t>
             </a:r>
             <a:r>
-              <a:rPr lang="en-US" sz="1800" dirty="0" err="1" smtClean="0"/>
+              <a:rPr lang="en-US" sz="1800" dirty="0" err="1"/>
               <a:t>trl+Shift</a:t>
             </a:r>
             <a:r>
-              <a:rPr lang="en-US" sz="1800" dirty="0" smtClean="0"/>
+              <a:rPr lang="en-US" sz="1800" dirty="0"/>
               <a:t>+</a:t>
             </a:r>
             <a:r>
-              <a:rPr lang="ru-RU" sz="1800" dirty="0" smtClean="0"/>
+              <a:rPr lang="ru-RU" sz="1800" dirty="0"/>
               <a:t>С</a:t>
             </a:r>
             <a:r>
-              <a:rPr lang="en-US" sz="1800" dirty="0" smtClean="0"/>
+              <a:rPr lang="en-US" sz="1800" dirty="0"/>
               <a:t> – </a:t>
             </a:r>
             <a:r>
-              <a:rPr lang="ru-RU" sz="1800" dirty="0" smtClean="0"/>
+              <a:rPr lang="ru-RU" sz="1800" dirty="0"/>
               <a:t>закомментировать</a:t>
             </a:r>
           </a:p>
@@ -7630,27 +7473,27 @@
               <a:buNone/>
             </a:pPr>
             <a:r>
-              <a:rPr lang="en-US" sz="1800" dirty="0" err="1" smtClean="0"/>
+              <a:rPr lang="en-US" sz="1800" dirty="0" err="1"/>
               <a:t>Ctrl+Enter</a:t>
             </a:r>
             <a:r>
-              <a:rPr lang="en-US" sz="1800" dirty="0" smtClean="0"/>
+              <a:rPr lang="en-US" sz="1800" dirty="0"/>
               <a:t> – </a:t>
             </a:r>
             <a:r>
-              <a:rPr lang="ru-RU" sz="1800" dirty="0" smtClean="0"/>
+              <a:rPr lang="ru-RU" sz="1800" dirty="0"/>
               <a:t>запустить выделенный код	С</a:t>
             </a:r>
             <a:r>
-              <a:rPr lang="en-US" sz="1800" dirty="0" err="1" smtClean="0"/>
+              <a:rPr lang="en-US" sz="1800" dirty="0" err="1"/>
               <a:t>trl+Alt+R</a:t>
             </a:r>
             <a:r>
-              <a:rPr lang="en-US" sz="1800" dirty="0" smtClean="0"/>
+              <a:rPr lang="en-US" sz="1800" dirty="0"/>
               <a:t> </a:t>
             </a:r>
             <a:r>
-              <a:rPr lang="ru-RU" sz="1800" dirty="0" smtClean="0"/>
+              <a:rPr lang="ru-RU" sz="1800" dirty="0"/>
               <a:t>– запустить весь код</a:t>
             </a:r>
           </a:p>
@@ -7658,7 +7501,7 @@
             <a:pPr marL="0" indent="0">
               <a:buNone/>
             </a:pPr>
-            <a:endParaRPr lang="en-US" dirty="0" smtClean="0"/>
+            <a:endParaRPr lang="en-US" dirty="0"/>
           </a:p>
           <a:p>
             <a:endParaRPr lang="ru-RU" dirty="0"/>
@@ -7675,13 +7518,6 @@
   <p:clrMapOvr>
     <a:masterClrMapping/>
   </p:clrMapOvr>
-  <p:timing>
-    <p:tnLst>
-      <p:par>
-        <p:cTn id="1" dur="indefinite" restart="never" nodeType="tmRoot"/>
-      </p:par>
-    </p:tnLst>
-  </p:timing>
 </p:sld>
 </file>
 
@@ -7818,7 +7654,7 @@
           <a:lstStyle/>
           <a:p>
             <a:r>
-              <a:rPr lang="ru-RU" sz="3600" b="1" dirty="0" smtClean="0">
+              <a:rPr lang="ru-RU" sz="3600" b="1" dirty="0">
                 <a:solidFill>
                   <a:srgbClr val="0064B5"/>
                 </a:solidFill>
@@ -7827,13 +7663,6 @@
               </a:rPr>
               <a:t>Основные типы данных</a:t>
             </a:r>
-            <a:endParaRPr lang="ru-RU" sz="3600" b="1" dirty="0">
-              <a:solidFill>
-                <a:srgbClr val="0064B5"/>
-              </a:solidFill>
-              <a:latin typeface="Arial" pitchFamily="34" charset="0"/>
-              <a:cs typeface="Arial" pitchFamily="34" charset="0"/>
-            </a:endParaRPr>
           </a:p>
         </p:txBody>
       </p:sp>
@@ -8013,7 +7842,7 @@
               <a:buNone/>
             </a:pPr>
             <a:r>
-              <a:rPr lang="ru-RU" sz="1800" dirty="0" smtClean="0"/>
+              <a:rPr lang="ru-RU" sz="1800" dirty="0"/>
               <a:t>Типы данных:</a:t>
             </a:r>
           </a:p>
@@ -8023,7 +7852,7 @@
               <a:buChar char="-"/>
             </a:pPr>
             <a:r>
-              <a:rPr lang="ru-RU" sz="1800" dirty="0" smtClean="0"/>
+              <a:rPr lang="ru-RU" sz="1800" dirty="0"/>
               <a:t>численные;</a:t>
             </a:r>
           </a:p>
@@ -8034,11 +7863,7 @@
             </a:pPr>
             <a:r>
               <a:rPr lang="ru-RU" sz="1800" dirty="0"/>
-              <a:t>л</a:t>
-            </a:r>
-            <a:r>
-              <a:rPr lang="ru-RU" sz="1800" dirty="0" smtClean="0"/>
-              <a:t>огические;</a:t>
+              <a:t>логические;</a:t>
             </a:r>
           </a:p>
           <a:p>
@@ -8048,24 +7873,20 @@
             </a:pPr>
             <a:r>
               <a:rPr lang="ru-RU" sz="1800" dirty="0"/>
-              <a:t>с</a:t>
-            </a:r>
-            <a:r>
-              <a:rPr lang="ru-RU" sz="1800" dirty="0" smtClean="0"/>
-              <a:t>имвольные.</a:t>
+              <a:t>символьные.</a:t>
             </a:r>
           </a:p>
           <a:p>
             <a:pPr marL="0" indent="0">
               <a:buNone/>
             </a:pPr>
-            <a:endParaRPr lang="ru-RU" sz="1800" dirty="0" smtClean="0"/>
+            <a:endParaRPr lang="ru-RU" sz="1800" dirty="0"/>
           </a:p>
           <a:p>
             <a:pPr marL="0" indent="0">
               <a:buNone/>
             </a:pPr>
-            <a:endParaRPr lang="en-US" dirty="0" smtClean="0"/>
+            <a:endParaRPr lang="en-US" dirty="0"/>
           </a:p>
           <a:p>
             <a:endParaRPr lang="ru-RU" dirty="0"/>
@@ -8248,14 +8069,14 @@
               <a:buNone/>
             </a:pPr>
             <a:r>
-              <a:rPr lang="ru-RU" sz="1800" dirty="0" smtClean="0"/>
+              <a:rPr lang="ru-RU" sz="1800" dirty="0"/>
               <a:t>Специальные объекты</a:t>
             </a:r>
             <a:r>
               <a:rPr lang="en-US" sz="1800" dirty="0"/>
               <a:t>:</a:t>
             </a:r>
-            <a:endParaRPr lang="ru-RU" sz="1800" dirty="0" smtClean="0"/>
+            <a:endParaRPr lang="ru-RU" sz="1800" dirty="0"/>
           </a:p>
           <a:p>
             <a:pPr>
@@ -8263,15 +8084,15 @@
               <a:buChar char="-"/>
             </a:pPr>
             <a:r>
-              <a:rPr lang="en-US" sz="1800" dirty="0" err="1" smtClean="0"/>
+              <a:rPr lang="en-US" sz="1800" dirty="0" err="1"/>
               <a:t>Inf</a:t>
             </a:r>
             <a:r>
-              <a:rPr lang="en-US" sz="1800" dirty="0" smtClean="0"/>
+              <a:rPr lang="en-US" sz="1800" dirty="0"/>
               <a:t> - </a:t>
             </a:r>
             <a:r>
-              <a:rPr lang="ru-RU" sz="1800" dirty="0" smtClean="0"/>
+              <a:rPr lang="ru-RU" sz="1800" dirty="0"/>
               <a:t>бесконечность;</a:t>
             </a:r>
           </a:p>
@@ -8281,11 +8102,11 @@
               <a:buChar char="-"/>
             </a:pPr>
             <a:r>
-              <a:rPr lang="en-US" sz="1800" dirty="0" smtClean="0"/>
+              <a:rPr lang="en-US" sz="1800" dirty="0"/>
               <a:t>NA</a:t>
             </a:r>
             <a:r>
-              <a:rPr lang="ru-RU" sz="1800" dirty="0" smtClean="0"/>
+              <a:rPr lang="ru-RU" sz="1800" dirty="0"/>
               <a:t> - пропуск;</a:t>
             </a:r>
           </a:p>
@@ -8295,11 +8116,11 @@
               <a:buChar char="-"/>
             </a:pPr>
             <a:r>
-              <a:rPr lang="en-US" sz="1800" dirty="0" err="1" smtClean="0"/>
+              <a:rPr lang="en-US" sz="1800" dirty="0" err="1"/>
               <a:t>NaN</a:t>
             </a:r>
             <a:r>
-              <a:rPr lang="ru-RU" sz="1800" dirty="0" smtClean="0"/>
+              <a:rPr lang="ru-RU" sz="1800" dirty="0"/>
               <a:t> – не число.</a:t>
             </a:r>
           </a:p>
@@ -8307,13 +8128,13 @@
             <a:pPr marL="0" indent="0">
               <a:buNone/>
             </a:pPr>
-            <a:endParaRPr lang="ru-RU" sz="1800" dirty="0" smtClean="0"/>
+            <a:endParaRPr lang="ru-RU" sz="1800" dirty="0"/>
           </a:p>
           <a:p>
             <a:pPr marL="0" indent="0">
               <a:buNone/>
             </a:pPr>
-            <a:endParaRPr lang="en-US" dirty="0" smtClean="0"/>
+            <a:endParaRPr lang="en-US" dirty="0"/>
           </a:p>
           <a:p>
             <a:endParaRPr lang="ru-RU" dirty="0"/>
@@ -8496,7 +8317,7 @@
               <a:buNone/>
             </a:pPr>
             <a:r>
-              <a:rPr lang="ru-RU" sz="1800" b="1" dirty="0" smtClean="0"/>
+              <a:rPr lang="ru-RU" sz="1800" b="1" dirty="0"/>
               <a:t>Задания:</a:t>
             </a:r>
           </a:p>
@@ -8508,12 +8329,8 @@
               <a:buNone/>
             </a:pPr>
             <a:r>
-              <a:rPr lang="ru-RU" sz="1800" dirty="0" smtClean="0"/>
-              <a:t>1. </a:t>
-            </a:r>
-            <a:r>
               <a:rPr lang="ru-RU" sz="1800" dirty="0"/>
-              <a:t>Даны стороны прямоугольника a и b. Найти его площадь S = </a:t>
+              <a:t>1. Даны стороны прямоугольника a и b. Найти его площадь S = </a:t>
             </a:r>
             <a:r>
               <a:rPr lang="ru-RU" sz="1800" dirty="0" err="1"/>
@@ -8521,11 +8338,7 @@
             </a:r>
             <a:r>
               <a:rPr lang="ru-RU" sz="1800" dirty="0"/>
-              <a:t> им периметр P = 2•(a + b</a:t>
-            </a:r>
-            <a:r>
-              <a:rPr lang="ru-RU" sz="1800" dirty="0" smtClean="0"/>
-              <a:t>).</a:t>
+              <a:t> им периметр P = 2•(a + b).</a:t>
             </a:r>
           </a:p>
           <a:p>
@@ -8536,16 +8349,8 @@
               <a:buNone/>
             </a:pPr>
             <a:r>
-              <a:rPr lang="ru-RU" sz="1800" dirty="0" smtClean="0"/>
-              <a:t>2. </a:t>
-            </a:r>
-            <a:r>
               <a:rPr lang="ru-RU" sz="1800" dirty="0"/>
-              <a:t>Даны два неотрицательных числа a и b. Найти их среднее геометрическое, то есть квадратный корень из их произведения</a:t>
-            </a:r>
-            <a:r>
-              <a:rPr lang="ru-RU" sz="1800" dirty="0" smtClean="0"/>
-              <a:t>.</a:t>
+              <a:t>2. Даны два неотрицательных числа a и b. Найти их среднее геометрическое, то есть квадратный корень из их произведения.</a:t>
             </a:r>
           </a:p>
           <a:p>
@@ -8556,16 +8361,8 @@
               <a:buNone/>
             </a:pPr>
             <a:r>
-              <a:rPr lang="ru-RU" sz="1800" dirty="0" smtClean="0"/>
-              <a:t>3. Даны </a:t>
-            </a:r>
-            <a:r>
               <a:rPr lang="ru-RU" sz="1800" dirty="0"/>
-              <a:t>координаты двух противоположных вершин прямоугольника: (x1, y1), (x2, y2). Стороны прямоугольника параллельны осям координат. Найти периметр и площадь данного </a:t>
-            </a:r>
-            <a:r>
-              <a:rPr lang="ru-RU" sz="1800" dirty="0" smtClean="0"/>
-              <a:t>прямоугольника.</a:t>
+              <a:t>3. Даны координаты двух противоположных вершин прямоугольника: (x1, y1), (x2, y2). Стороны прямоугольника параллельны осям координат. Найти периметр и площадь данного прямоугольника.</a:t>
             </a:r>
           </a:p>
           <a:p>
@@ -8576,11 +8373,11 @@
               <a:buNone/>
             </a:pPr>
             <a:r>
-              <a:rPr lang="ru-RU" sz="1800" dirty="0" smtClean="0"/>
+              <a:rPr lang="ru-RU" sz="1800" dirty="0"/>
               <a:t>4. </a:t>
             </a:r>
             <a:r>
-              <a:rPr lang="uk-UA" sz="1800" dirty="0" smtClean="0"/>
+              <a:rPr lang="uk-UA" sz="1800" dirty="0"/>
               <a:t>Дано </a:t>
             </a:r>
             <a:r>
@@ -8655,20 +8452,16 @@
               <a:buNone/>
             </a:pPr>
             <a:r>
-              <a:rPr lang="uk-UA" sz="1800" dirty="0" smtClean="0"/>
+              <a:rPr lang="uk-UA" sz="1800" dirty="0"/>
               <a:t>5. </a:t>
             </a:r>
             <a:r>
-              <a:rPr lang="uk-UA" sz="1800" dirty="0" err="1" smtClean="0"/>
+              <a:rPr lang="uk-UA" sz="1800" dirty="0" err="1"/>
               <a:t>Даны</a:t>
             </a:r>
             <a:r>
-              <a:rPr lang="uk-UA" sz="1800" dirty="0" smtClean="0"/>
-              <a:t> </a:t>
-            </a:r>
-            <a:r>
               <a:rPr lang="uk-UA" sz="1800" dirty="0"/>
-              <a:t>три </a:t>
+              <a:t> три </a:t>
             </a:r>
             <a:r>
               <a:rPr lang="uk-UA" sz="1800" dirty="0" err="1"/>
@@ -8778,20 +8571,16 @@
               <a:buNone/>
             </a:pPr>
             <a:r>
-              <a:rPr lang="uk-UA" sz="1800" dirty="0" smtClean="0"/>
+              <a:rPr lang="uk-UA" sz="1800" dirty="0"/>
               <a:t>6. </a:t>
             </a:r>
             <a:r>
-              <a:rPr lang="uk-UA" sz="1800" dirty="0" err="1" smtClean="0"/>
+              <a:rPr lang="uk-UA" sz="1800" dirty="0" err="1"/>
               <a:t>Даны</a:t>
             </a:r>
             <a:r>
-              <a:rPr lang="uk-UA" sz="1800" dirty="0" smtClean="0"/>
-              <a:t> </a:t>
-            </a:r>
-            <a:r>
               <a:rPr lang="uk-UA" sz="1800" dirty="0"/>
-              <a:t>три </a:t>
+              <a:t> три </a:t>
             </a:r>
             <a:r>
               <a:rPr lang="uk-UA" sz="1800" dirty="0" err="1"/>
@@ -8913,20 +8702,16 @@
               <a:buNone/>
             </a:pPr>
             <a:r>
-              <a:rPr lang="uk-UA" sz="1800" dirty="0" smtClean="0"/>
+              <a:rPr lang="uk-UA" sz="1800" dirty="0"/>
               <a:t>7. (ДЗ) </a:t>
             </a:r>
             <a:r>
-              <a:rPr lang="uk-UA" sz="1800" dirty="0" err="1" smtClean="0"/>
+              <a:rPr lang="uk-UA" sz="1800" dirty="0" err="1"/>
               <a:t>Даны</a:t>
             </a:r>
             <a:r>
-              <a:rPr lang="uk-UA" sz="1800" dirty="0" smtClean="0"/>
-              <a:t> </a:t>
-            </a:r>
-            <a:r>
               <a:rPr lang="uk-UA" sz="1800" dirty="0"/>
-              <a:t>три </a:t>
+              <a:t> три </a:t>
             </a:r>
             <a:r>
               <a:rPr lang="uk-UA" sz="1800" dirty="0" err="1"/>
@@ -9033,13 +8818,7 @@
             <a:pPr marL="0" indent="0">
               <a:buNone/>
             </a:pPr>
-            <a:endParaRPr lang="ru-RU" sz="1800" dirty="0" smtClean="0"/>
-          </a:p>
-          <a:p>
-            <a:pPr marL="0" indent="0">
-              <a:buNone/>
-            </a:pPr>
-            <a:endParaRPr lang="ru-RU" sz="1800" dirty="0" smtClean="0"/>
+            <a:endParaRPr lang="ru-RU" sz="1800" dirty="0"/>
           </a:p>
           <a:p>
             <a:pPr marL="0" indent="0">
@@ -9057,13 +8836,19 @@
             <a:pPr marL="0" indent="0">
               <a:buNone/>
             </a:pPr>
-            <a:endParaRPr lang="ru-RU" sz="1800" dirty="0" smtClean="0"/>
+            <a:endParaRPr lang="ru-RU" sz="1800" dirty="0"/>
           </a:p>
           <a:p>
             <a:pPr marL="0" indent="0">
               <a:buNone/>
             </a:pPr>
-            <a:endParaRPr lang="en-US" dirty="0" smtClean="0"/>
+            <a:endParaRPr lang="ru-RU" sz="1800" dirty="0"/>
+          </a:p>
+          <a:p>
+            <a:pPr marL="0" indent="0">
+              <a:buNone/>
+            </a:pPr>
+            <a:endParaRPr lang="en-US" dirty="0"/>
           </a:p>
           <a:p>
             <a:endParaRPr lang="ru-RU" dirty="0"/>
@@ -9080,13 +8865,6 @@
   <p:clrMapOvr>
     <a:masterClrMapping/>
   </p:clrMapOvr>
-  <p:timing>
-    <p:tnLst>
-      <p:par>
-        <p:cTn id="1" dur="indefinite" restart="never" nodeType="tmRoot"/>
-      </p:par>
-    </p:tnLst>
-  </p:timing>
 </p:sld>
 </file>
 
@@ -9223,7 +9001,7 @@
           <a:lstStyle/>
           <a:p>
             <a:r>
-              <a:rPr lang="ru-RU" sz="3600" b="1" dirty="0" smtClean="0">
+              <a:rPr lang="ru-RU" sz="3600" b="1" dirty="0">
                 <a:solidFill>
                   <a:srgbClr val="0064B5"/>
                 </a:solidFill>
@@ -9232,13 +9010,6 @@
               </a:rPr>
               <a:t>Основные структуры данных</a:t>
             </a:r>
-            <a:endParaRPr lang="ru-RU" sz="3600" b="1" dirty="0">
-              <a:solidFill>
-                <a:srgbClr val="0064B5"/>
-              </a:solidFill>
-              <a:latin typeface="Arial" pitchFamily="34" charset="0"/>
-              <a:cs typeface="Arial" pitchFamily="34" charset="0"/>
-            </a:endParaRPr>
           </a:p>
         </p:txBody>
       </p:sp>
@@ -9418,7 +9189,7 @@
               <a:buNone/>
             </a:pPr>
             <a:r>
-              <a:rPr lang="ru-RU" sz="1800" b="1" dirty="0" smtClean="0"/>
+              <a:rPr lang="ru-RU" sz="1800" b="1" dirty="0"/>
               <a:t>Структуры данных:</a:t>
             </a:r>
           </a:p>
@@ -9428,7 +9199,7 @@
               <a:buChar char="-"/>
             </a:pPr>
             <a:r>
-              <a:rPr lang="ru-RU" sz="1800" b="1" dirty="0" smtClean="0"/>
+              <a:rPr lang="ru-RU" sz="1800" b="1" dirty="0"/>
               <a:t>массивы;</a:t>
             </a:r>
           </a:p>
@@ -9438,7 +9209,7 @@
               <a:buChar char="-"/>
             </a:pPr>
             <a:r>
-              <a:rPr lang="ru-RU" sz="1800" dirty="0" smtClean="0"/>
+              <a:rPr lang="ru-RU" sz="1800" dirty="0"/>
               <a:t>матрицы;</a:t>
             </a:r>
           </a:p>
@@ -9448,7 +9219,7 @@
               <a:buChar char="-"/>
             </a:pPr>
             <a:r>
-              <a:rPr lang="ru-RU" sz="1800" dirty="0" smtClean="0"/>
+              <a:rPr lang="ru-RU" sz="1800" dirty="0"/>
               <a:t>факторы;</a:t>
             </a:r>
           </a:p>
@@ -9462,7 +9233,7 @@
               <a:t>с</a:t>
             </a:r>
             <a:r>
-              <a:rPr lang="ru-RU" sz="1800" dirty="0" smtClean="0"/>
+              <a:rPr lang="ru-RU" sz="1800" dirty="0"/>
               <a:t>писки;</a:t>
             </a:r>
           </a:p>
@@ -9473,14 +9244,10 @@
             </a:pPr>
             <a:r>
               <a:rPr lang="en-US" sz="1800" dirty="0"/>
-              <a:t>d</a:t>
-            </a:r>
-            <a:r>
-              <a:rPr lang="en-US" sz="1800" dirty="0" smtClean="0"/>
-              <a:t>ata frame </a:t>
-            </a:r>
-            <a:r>
-              <a:rPr lang="ru-RU" sz="1800" dirty="0" smtClean="0"/>
+              <a:t>data frame </a:t>
+            </a:r>
+            <a:r>
+              <a:rPr lang="ru-RU" sz="1800" dirty="0"/>
               <a:t>(таблицы данных);</a:t>
             </a:r>
           </a:p>
@@ -9490,35 +9257,27 @@
               <a:buChar char="-"/>
             </a:pPr>
             <a:r>
-              <a:rPr lang="ru-RU" sz="1800" dirty="0" smtClean="0"/>
-              <a:t>временн</a:t>
-            </a:r>
-            <a:r>
               <a:rPr lang="ru-RU" sz="1800" dirty="0"/>
-              <a:t>ы</a:t>
-            </a:r>
-            <a:r>
-              <a:rPr lang="ru-RU" sz="1800" dirty="0" smtClean="0"/>
-              <a:t>е ряды.</a:t>
+              <a:t>временные ряды.</a:t>
             </a:r>
           </a:p>
           <a:p>
             <a:pPr marL="0" indent="0">
               <a:buNone/>
             </a:pPr>
-            <a:endParaRPr lang="ru-RU" sz="1800" b="1" dirty="0" smtClean="0"/>
+            <a:endParaRPr lang="ru-RU" sz="1800" b="1" dirty="0"/>
           </a:p>
           <a:p>
             <a:pPr marL="0" indent="0">
               <a:buNone/>
             </a:pPr>
-            <a:endParaRPr lang="ru-RU" sz="1800" dirty="0" smtClean="0"/>
+            <a:endParaRPr lang="ru-RU" sz="1800" dirty="0"/>
           </a:p>
           <a:p>
             <a:pPr marL="0" indent="0">
               <a:buNone/>
             </a:pPr>
-            <a:endParaRPr lang="en-US" dirty="0" smtClean="0"/>
+            <a:endParaRPr lang="en-US" dirty="0"/>
           </a:p>
           <a:p>
             <a:endParaRPr lang="ru-RU" dirty="0"/>
@@ -9535,13 +9294,6 @@
   <p:clrMapOvr>
     <a:masterClrMapping/>
   </p:clrMapOvr>
-  <p:timing>
-    <p:tnLst>
-      <p:par>
-        <p:cTn id="1" dur="indefinite" restart="never" nodeType="tmRoot"/>
-      </p:par>
-    </p:tnLst>
-  </p:timing>
 </p:sld>
 </file>
 
@@ -9678,7 +9430,7 @@
           <a:lstStyle/>
           <a:p>
             <a:r>
-              <a:rPr lang="ru-RU" sz="3600" b="1" dirty="0" smtClean="0">
+              <a:rPr lang="ru-RU" sz="3600" b="1" dirty="0">
                 <a:solidFill>
                   <a:srgbClr val="0064B5"/>
                 </a:solidFill>
@@ -9687,13 +9439,6 @@
               </a:rPr>
               <a:t>Описательная статистика</a:t>
             </a:r>
-            <a:endParaRPr lang="ru-RU" sz="3600" b="1" dirty="0">
-              <a:solidFill>
-                <a:srgbClr val="0064B5"/>
-              </a:solidFill>
-              <a:latin typeface="Arial" pitchFamily="34" charset="0"/>
-              <a:cs typeface="Arial" pitchFamily="34" charset="0"/>
-            </a:endParaRPr>
           </a:p>
         </p:txBody>
       </p:sp>
@@ -9872,13 +9617,13 @@
             <a:pPr marL="0" indent="0">
               <a:buNone/>
             </a:pPr>
-            <a:endParaRPr lang="ru-RU" sz="1800" dirty="0" smtClean="0"/>
+            <a:endParaRPr lang="ru-RU" sz="1800" dirty="0"/>
           </a:p>
           <a:p>
             <a:pPr marL="0" indent="0">
               <a:buNone/>
             </a:pPr>
-            <a:endParaRPr lang="en-US" dirty="0" smtClean="0"/>
+            <a:endParaRPr lang="en-US" dirty="0"/>
           </a:p>
           <a:p>
             <a:endParaRPr lang="ru-RU" dirty="0"/>
@@ -10060,25 +9805,25 @@
             <a:pPr marL="0" indent="0">
               <a:buNone/>
             </a:pPr>
-            <a:endParaRPr lang="ru-RU" sz="1800" dirty="0" smtClean="0"/>
+            <a:endParaRPr lang="ru-RU" sz="1800" dirty="0"/>
           </a:p>
           <a:p>
             <a:pPr marL="0" indent="0">
               <a:buNone/>
             </a:pPr>
-            <a:endParaRPr lang="ru-RU" sz="1800" b="1" dirty="0" smtClean="0"/>
+            <a:endParaRPr lang="ru-RU" sz="1800" b="1" dirty="0"/>
           </a:p>
           <a:p>
             <a:pPr marL="0" indent="0">
               <a:buNone/>
             </a:pPr>
-            <a:endParaRPr lang="ru-RU" sz="1800" dirty="0" smtClean="0"/>
+            <a:endParaRPr lang="ru-RU" sz="1800" dirty="0"/>
           </a:p>
           <a:p>
             <a:pPr marL="0" indent="0">
               <a:buNone/>
             </a:pPr>
-            <a:endParaRPr lang="en-US" dirty="0" smtClean="0"/>
+            <a:endParaRPr lang="en-US" dirty="0"/>
           </a:p>
           <a:p>
             <a:endParaRPr lang="ru-RU" dirty="0"/>
@@ -10261,7 +10006,7 @@
               <a:buNone/>
             </a:pPr>
             <a:r>
-              <a:rPr lang="ru-RU" sz="1800" b="1" dirty="0" smtClean="0"/>
+              <a:rPr lang="ru-RU" sz="1800" b="1" dirty="0"/>
               <a:t>Элементарные графики:</a:t>
             </a:r>
           </a:p>
@@ -10270,55 +10015,55 @@
               <a:buNone/>
             </a:pPr>
             <a:r>
-              <a:rPr lang="en-US" sz="1800" dirty="0" smtClean="0"/>
+              <a:rPr lang="en-US" sz="1800" dirty="0"/>
               <a:t>plot() – </a:t>
             </a:r>
             <a:r>
-              <a:rPr lang="ru-RU" sz="1800" dirty="0" smtClean="0"/>
+              <a:rPr lang="ru-RU" sz="1800" dirty="0"/>
               <a:t>точечный график</a:t>
             </a:r>
-            <a:endParaRPr lang="en-US" sz="1800" dirty="0" smtClean="0"/>
+            <a:endParaRPr lang="en-US" sz="1800" dirty="0"/>
           </a:p>
           <a:p>
             <a:pPr marL="0" indent="0">
               <a:buNone/>
             </a:pPr>
             <a:r>
-              <a:rPr lang="en-US" sz="1800" dirty="0" err="1" smtClean="0"/>
+              <a:rPr lang="en-US" sz="1800" dirty="0" err="1"/>
               <a:t>hist</a:t>
             </a:r>
             <a:r>
-              <a:rPr lang="en-US" sz="1800" dirty="0" smtClean="0"/>
+              <a:rPr lang="en-US" sz="1800" dirty="0"/>
               <a:t>()</a:t>
             </a:r>
             <a:r>
-              <a:rPr lang="ru-RU" sz="1800" dirty="0" smtClean="0"/>
+              <a:rPr lang="ru-RU" sz="1800" dirty="0"/>
               <a:t> – гистограмма </a:t>
             </a:r>
-            <a:endParaRPr lang="en-US" sz="1800" dirty="0" smtClean="0"/>
+            <a:endParaRPr lang="en-US" sz="1800" dirty="0"/>
           </a:p>
           <a:p>
             <a:pPr marL="0" indent="0">
               <a:buNone/>
             </a:pPr>
             <a:r>
-              <a:rPr lang="en-US" sz="1800" dirty="0" err="1" smtClean="0"/>
+              <a:rPr lang="en-US" sz="1800" dirty="0" err="1"/>
               <a:t>barplot</a:t>
             </a:r>
             <a:r>
-              <a:rPr lang="en-US" sz="1800" dirty="0" smtClean="0"/>
+              <a:rPr lang="en-US" sz="1800" dirty="0"/>
               <a:t>()</a:t>
             </a:r>
             <a:r>
-              <a:rPr lang="ru-RU" sz="1800" dirty="0" smtClean="0"/>
+              <a:rPr lang="ru-RU" sz="1800" dirty="0"/>
               <a:t> – </a:t>
             </a:r>
             <a:r>
-              <a:rPr lang="ru-RU" sz="1800" dirty="0" err="1" smtClean="0"/>
+              <a:rPr lang="ru-RU" sz="1800" dirty="0" err="1"/>
               <a:t>коробчастая</a:t>
             </a:r>
             <a:r>
-              <a:rPr lang="ru-RU" sz="1800" dirty="0" smtClean="0"/>
+              <a:rPr lang="ru-RU" sz="1800" dirty="0"/>
               <a:t> диаграмма</a:t>
             </a:r>
           </a:p>
@@ -10326,19 +10071,19 @@
             <a:pPr marL="0" indent="0">
               <a:buNone/>
             </a:pPr>
-            <a:endParaRPr lang="ru-RU" sz="1800" b="1" dirty="0" smtClean="0"/>
+            <a:endParaRPr lang="ru-RU" sz="1800" b="1" dirty="0"/>
           </a:p>
           <a:p>
             <a:pPr marL="0" indent="0">
               <a:buNone/>
             </a:pPr>
-            <a:endParaRPr lang="ru-RU" sz="1800" dirty="0" smtClean="0"/>
+            <a:endParaRPr lang="ru-RU" sz="1800" dirty="0"/>
           </a:p>
           <a:p>
             <a:pPr marL="0" indent="0">
               <a:buNone/>
             </a:pPr>
-            <a:endParaRPr lang="en-US" dirty="0" smtClean="0"/>
+            <a:endParaRPr lang="en-US" dirty="0"/>
           </a:p>
           <a:p>
             <a:endParaRPr lang="ru-RU" dirty="0"/>
@@ -10520,121 +10265,117 @@
             <a:pPr marL="0" indent="0">
               <a:buNone/>
             </a:pPr>
-            <a:endParaRPr lang="ru-RU" sz="1800" dirty="0" smtClean="0"/>
+            <a:endParaRPr lang="ru-RU" sz="1800" dirty="0"/>
           </a:p>
           <a:p>
             <a:pPr marL="0" indent="0">
               <a:buNone/>
             </a:pPr>
             <a:r>
-              <a:rPr lang="en-US" sz="1800" dirty="0" smtClean="0"/>
+              <a:rPr lang="en-US" sz="1800" dirty="0"/>
               <a:t>mean() – </a:t>
             </a:r>
             <a:r>
-              <a:rPr lang="ru-RU" sz="1800" dirty="0" smtClean="0"/>
+              <a:rPr lang="ru-RU" sz="1800" dirty="0"/>
               <a:t>среднее значение </a:t>
             </a:r>
             <a:r>
               <a:rPr lang="ru-RU" sz="1800" b="1" dirty="0"/>
               <a:t>(не путать с математическим ожиданием!!!!!!)</a:t>
             </a:r>
-            <a:endParaRPr lang="en-US" sz="1800" dirty="0" smtClean="0"/>
+            <a:endParaRPr lang="en-US" sz="1800" dirty="0"/>
           </a:p>
           <a:p>
             <a:pPr marL="0" indent="0">
               <a:buNone/>
             </a:pPr>
             <a:r>
-              <a:rPr lang="en-US" sz="1800" dirty="0" smtClean="0"/>
+              <a:rPr lang="en-US" sz="1800" dirty="0"/>
               <a:t>median()</a:t>
             </a:r>
             <a:r>
-              <a:rPr lang="ru-RU" sz="1800" dirty="0" smtClean="0"/>
+              <a:rPr lang="ru-RU" sz="1800" dirty="0"/>
               <a:t> – медиана </a:t>
             </a:r>
-            <a:endParaRPr lang="en-US" sz="1800" dirty="0" smtClean="0"/>
+            <a:endParaRPr lang="en-US" sz="1800" dirty="0"/>
           </a:p>
           <a:p>
             <a:pPr marL="0" indent="0">
               <a:buNone/>
             </a:pPr>
             <a:r>
-              <a:rPr lang="en-US" sz="1800" dirty="0" smtClean="0"/>
+              <a:rPr lang="en-US" sz="1800" dirty="0"/>
               <a:t>sum()</a:t>
             </a:r>
             <a:r>
-              <a:rPr lang="ru-RU" sz="1800" dirty="0" smtClean="0"/>
+              <a:rPr lang="ru-RU" sz="1800" dirty="0"/>
               <a:t> – сумма</a:t>
             </a:r>
-            <a:endParaRPr lang="en-US" sz="1800" dirty="0" smtClean="0"/>
+            <a:endParaRPr lang="en-US" sz="1800" dirty="0"/>
           </a:p>
           <a:p>
             <a:pPr marL="0" indent="0">
               <a:buNone/>
             </a:pPr>
             <a:r>
-              <a:rPr lang="en-US" sz="1800" dirty="0" smtClean="0"/>
+              <a:rPr lang="en-US" sz="1800" dirty="0"/>
               <a:t>range()</a:t>
             </a:r>
             <a:r>
-              <a:rPr lang="ru-RU" sz="1800" dirty="0" smtClean="0"/>
+              <a:rPr lang="ru-RU" sz="1800" dirty="0"/>
               <a:t> – разброс </a:t>
             </a:r>
-            <a:endParaRPr lang="en-US" sz="1800" dirty="0" smtClean="0"/>
+            <a:endParaRPr lang="en-US" sz="1800" dirty="0"/>
           </a:p>
           <a:p>
             <a:pPr marL="0" indent="0">
               <a:buNone/>
             </a:pPr>
             <a:r>
-              <a:rPr lang="en-US" sz="1800" dirty="0" smtClean="0"/>
+              <a:rPr lang="en-US" sz="1800" dirty="0"/>
               <a:t>min()</a:t>
             </a:r>
             <a:r>
               <a:rPr lang="ru-RU" sz="1800" dirty="0"/>
-              <a:t> </a:t>
-            </a:r>
-            <a:r>
-              <a:rPr lang="ru-RU" sz="1800" dirty="0" smtClean="0"/>
-              <a:t>– минимальное значение</a:t>
-            </a:r>
-            <a:endParaRPr lang="en-US" sz="1800" dirty="0" smtClean="0"/>
+              <a:t> – минимальное значение</a:t>
+            </a:r>
+            <a:endParaRPr lang="en-US" sz="1800" dirty="0"/>
           </a:p>
           <a:p>
             <a:pPr marL="0" indent="0">
               <a:buNone/>
             </a:pPr>
             <a:r>
-              <a:rPr lang="en-US" sz="1800" dirty="0" smtClean="0"/>
+              <a:rPr lang="en-US" sz="1800" dirty="0"/>
               <a:t>max()</a:t>
             </a:r>
             <a:r>
-              <a:rPr lang="ru-RU" sz="1800" dirty="0" smtClean="0"/>
+              <a:rPr lang="ru-RU" sz="1800" dirty="0"/>
               <a:t> – максимальное значение</a:t>
             </a:r>
-            <a:endParaRPr lang="en-US" sz="1800" dirty="0" smtClean="0"/>
+            <a:endParaRPr lang="en-US" sz="1800" dirty="0"/>
           </a:p>
           <a:p>
             <a:pPr marL="0" indent="0">
               <a:buNone/>
             </a:pPr>
             <a:r>
-              <a:rPr lang="en-US" sz="1800" dirty="0" err="1" smtClean="0"/>
+              <a:rPr lang="en-US" sz="1800" dirty="0" err="1"/>
               <a:t>var</a:t>
             </a:r>
             <a:r>
-              <a:rPr lang="en-US" sz="1800" dirty="0" smtClean="0"/>
+              <a:rPr lang="en-US" sz="1800" dirty="0"/>
               <a:t>()</a:t>
             </a:r>
             <a:r>
-              <a:rPr lang="ru-RU" sz="1800" dirty="0" smtClean="0"/>
+              <a:rPr lang="ru-RU" sz="1800" dirty="0"/>
               <a:t> – вариация </a:t>
             </a:r>
             <a:r>
-              <a:rPr lang="ru-RU" sz="1800" b="1" dirty="0" smtClean="0"/>
+              <a:rPr lang="ru-RU" sz="1800" b="1" dirty="0"/>
               <a:t>(не путать с дисперсией!!!!)</a:t>
             </a:r>
-            <a:endParaRPr lang="en-US" sz="1800" b="1" dirty="0" smtClean="0"/>
+            <a:endParaRPr lang="en-US" sz="1800" b="1" dirty="0"/>
           </a:p>
           <a:p>
             <a:pPr marL="0" indent="0">
@@ -10642,21 +10383,17 @@
             </a:pPr>
             <a:r>
               <a:rPr lang="en-US" sz="1800" dirty="0" err="1"/>
-              <a:t>s</a:t>
-            </a:r>
-            <a:r>
-              <a:rPr lang="en-US" sz="1800" dirty="0" err="1" smtClean="0"/>
-              <a:t>d</a:t>
-            </a:r>
-            <a:r>
-              <a:rPr lang="en-US" sz="1800" dirty="0" smtClean="0"/>
+              <a:t>sd</a:t>
+            </a:r>
+            <a:r>
+              <a:rPr lang="en-US" sz="1800" dirty="0"/>
               <a:t>()</a:t>
             </a:r>
             <a:r>
-              <a:rPr lang="ru-RU" sz="1800" dirty="0" smtClean="0"/>
+              <a:rPr lang="ru-RU" sz="1800" dirty="0"/>
               <a:t> – стандартное отклонение </a:t>
             </a:r>
-            <a:endParaRPr lang="en-US" sz="1800" dirty="0" smtClean="0"/>
+            <a:endParaRPr lang="en-US" sz="1800" dirty="0"/>
           </a:p>
           <a:p>
             <a:pPr marL="0" indent="0">
@@ -10664,14 +10401,10 @@
             </a:pPr>
             <a:r>
               <a:rPr lang="en-US" sz="1800" dirty="0"/>
-              <a:t>q</a:t>
-            </a:r>
-            <a:r>
-              <a:rPr lang="en-US" sz="1800" dirty="0" smtClean="0"/>
-              <a:t>uantile()</a:t>
-            </a:r>
-            <a:r>
-              <a:rPr lang="ru-RU" sz="1800" dirty="0" smtClean="0"/>
+              <a:t>quantile()</a:t>
+            </a:r>
+            <a:r>
+              <a:rPr lang="ru-RU" sz="1800" dirty="0"/>
               <a:t> - квантили</a:t>
             </a:r>
           </a:p>
@@ -10680,11 +10413,11 @@
               <a:buNone/>
             </a:pPr>
             <a:r>
-              <a:rPr lang="en-US" sz="1800" dirty="0" smtClean="0"/>
+              <a:rPr lang="en-US" sz="1800" dirty="0"/>
               <a:t>summary()</a:t>
             </a:r>
             <a:r>
-              <a:rPr lang="ru-RU" sz="1800" dirty="0" smtClean="0"/>
+              <a:rPr lang="ru-RU" sz="1800" dirty="0"/>
               <a:t> – вывод основной статистики</a:t>
             </a:r>
           </a:p>
@@ -10692,13 +10425,13 @@
             <a:pPr marL="0" indent="0">
               <a:buNone/>
             </a:pPr>
-            <a:endParaRPr lang="ru-RU" sz="1800" dirty="0" smtClean="0"/>
+            <a:endParaRPr lang="ru-RU" sz="1800" dirty="0"/>
           </a:p>
           <a:p>
             <a:pPr marL="0" indent="0">
               <a:buNone/>
             </a:pPr>
-            <a:endParaRPr lang="en-US" dirty="0" smtClean="0"/>
+            <a:endParaRPr lang="en-US" dirty="0"/>
           </a:p>
           <a:p>
             <a:endParaRPr lang="ru-RU" dirty="0"/>
@@ -10715,13 +10448,6 @@
   <p:clrMapOvr>
     <a:masterClrMapping/>
   </p:clrMapOvr>
-  <p:timing>
-    <p:tnLst>
-      <p:par>
-        <p:cTn id="1" dur="indefinite" restart="never" nodeType="tmRoot"/>
-      </p:par>
-    </p:tnLst>
-  </p:timing>
 </p:sld>
 </file>
 
